--- a/Presentation_project_Image_Classification_vg.pptx
+++ b/Presentation_project_Image_Classification_vg.pptx
@@ -290,7 +290,7 @@
       </p15:sldGuideLst>
     </p:ext>
     <p:ext uri="http://customooxmlschemas.google.com/">
-      <go:slidesCustomData xmlns:go="http://customooxmlschemas.google.com/" xmlns:ahyp="http://schemas.microsoft.com/office/drawing/2018/hyperlinkcolor" xmlns:p15="http://schemas.microsoft.com/office/powerpoint/2012/main" xmlns:p14="http://schemas.microsoft.com/office/powerpoint/2010/main" xmlns:com="http://schemas.openxmlformats.org/drawingml/2006/compatibility" xmlns:pvml="urn:schemas-microsoft-com:office:powerpoint" xmlns:v="urn:schemas-microsoft-com:vml" xmlns:o="urn:schemas-microsoft-com:office:office" xmlns:dgm="http://schemas.openxmlformats.org/drawingml/2006/diagram" xmlns:c="http://schemas.openxmlformats.org/drawingml/2006/chart" xmlns:mv="urn:schemas-microsoft-com:mac:vml" xmlns:mc="http://schemas.openxmlformats.org/markup-compatibility/2006" xmlns="" r:id="rId32" roundtripDataSignature="AMtx7mhQrRl1FrxYTPRQBLEfYLLBoDqRDQ=="/>
+      <go:slidesCustomData xmlns="" xmlns:mc="http://schemas.openxmlformats.org/markup-compatibility/2006" xmlns:mv="urn:schemas-microsoft-com:mac:vml" xmlns:c="http://schemas.openxmlformats.org/drawingml/2006/chart" xmlns:dgm="http://schemas.openxmlformats.org/drawingml/2006/diagram" xmlns:o="urn:schemas-microsoft-com:office:office" xmlns:v="urn:schemas-microsoft-com:vml" xmlns:pvml="urn:schemas-microsoft-com:office:powerpoint" xmlns:com="http://schemas.openxmlformats.org/drawingml/2006/compatibility" xmlns:p14="http://schemas.microsoft.com/office/powerpoint/2010/main" xmlns:p15="http://schemas.microsoft.com/office/powerpoint/2012/main" xmlns:ahyp="http://schemas.microsoft.com/office/drawing/2018/hyperlinkcolor" xmlns:go="http://customooxmlschemas.google.com/" r:id="rId32" roundtripDataSignature="AMtx7mhQrRl1FrxYTPRQBLEfYLLBoDqRDQ=="/>
     </p:ext>
   </p:extLst>
 </p:presentation>
@@ -11321,83 +11321,6 @@
           </a:p>
         </p:txBody>
       </p:sp>
-      <p:pic>
-        <p:nvPicPr>
-          <p:cNvPr id="3074" name="Picture 2">
-            <a:extLst>
-              <a:ext uri="{FF2B5EF4-FFF2-40B4-BE49-F238E27FC236}">
-                <a16:creationId xmlns:a16="http://schemas.microsoft.com/office/drawing/2014/main" id="{84A9EEB9-E6AF-1996-541B-5E573DC7D4C5}"/>
-              </a:ext>
-            </a:extLst>
-          </p:cNvPr>
-          <p:cNvPicPr>
-            <a:picLocks noChangeAspect="1" noChangeArrowheads="1"/>
-          </p:cNvPicPr>
-          <p:nvPr/>
-        </p:nvPicPr>
-        <p:blipFill>
-          <a:blip r:embed="rId3">
-            <a:extLst>
-              <a:ext uri="{28A0092B-C50C-407E-A947-70E740481C1C}">
-                <a14:useLocalDpi xmlns:a14="http://schemas.microsoft.com/office/drawing/2010/main" val="0"/>
-              </a:ext>
-            </a:extLst>
-          </a:blip>
-          <a:srcRect/>
-          <a:stretch>
-            <a:fillRect/>
-          </a:stretch>
-        </p:blipFill>
-        <p:spPr bwMode="auto">
-          <a:xfrm>
-            <a:off x="4511431" y="1068875"/>
-            <a:ext cx="4039363" cy="4074576"/>
-          </a:xfrm>
-          <a:prstGeom prst="rect">
-            <a:avLst/>
-          </a:prstGeom>
-          <a:noFill/>
-          <a:extLst>
-            <a:ext uri="{909E8E84-426E-40DD-AFC4-6F175D3DCCD1}">
-              <a14:hiddenFill xmlns:a14="http://schemas.microsoft.com/office/drawing/2010/main">
-                <a:solidFill>
-                  <a:srgbClr val="FFFFFF"/>
-                </a:solidFill>
-              </a14:hiddenFill>
-            </a:ext>
-          </a:extLst>
-        </p:spPr>
-      </p:pic>
-      <p:pic>
-        <p:nvPicPr>
-          <p:cNvPr id="6" name="Picture 5">
-            <a:extLst>
-              <a:ext uri="{FF2B5EF4-FFF2-40B4-BE49-F238E27FC236}">
-                <a16:creationId xmlns:a16="http://schemas.microsoft.com/office/drawing/2014/main" id="{4DDC5718-04A7-2DFF-521E-768C325AD96A}"/>
-              </a:ext>
-            </a:extLst>
-          </p:cNvPr>
-          <p:cNvPicPr>
-            <a:picLocks noChangeAspect="1"/>
-          </p:cNvPicPr>
-          <p:nvPr/>
-        </p:nvPicPr>
-        <p:blipFill>
-          <a:blip r:embed="rId4"/>
-          <a:stretch>
-            <a:fillRect/>
-          </a:stretch>
-        </p:blipFill>
-        <p:spPr>
-          <a:xfrm>
-            <a:off x="84584" y="1568269"/>
-            <a:ext cx="4302346" cy="2931160"/>
-          </a:xfrm>
-          <a:prstGeom prst="rect">
-            <a:avLst/>
-          </a:prstGeom>
-        </p:spPr>
-      </p:pic>
       <p:sp>
         <p:nvSpPr>
           <p:cNvPr id="10" name="Google Shape;101;p2">
@@ -11698,10 +11621,313 @@
       </p:sp>
       <p:pic>
         <p:nvPicPr>
-          <p:cNvPr id="12" name="Picture 11">
+          <p:cNvPr id="2" name="Picture 2">
             <a:extLst>
               <a:ext uri="{FF2B5EF4-FFF2-40B4-BE49-F238E27FC236}">
-                <a16:creationId xmlns:a16="http://schemas.microsoft.com/office/drawing/2014/main" id="{A3E89020-8EC7-B0D1-C671-CA059B6209E3}"/>
+                <a16:creationId xmlns:a16="http://schemas.microsoft.com/office/drawing/2014/main" id="{D411AB89-F1AB-4BB8-4C5B-82FE790D4111}"/>
+              </a:ext>
+            </a:extLst>
+          </p:cNvPr>
+          <p:cNvPicPr>
+            <a:picLocks noChangeAspect="1" noChangeArrowheads="1"/>
+          </p:cNvPicPr>
+          <p:nvPr/>
+        </p:nvPicPr>
+        <p:blipFill>
+          <a:blip r:embed="rId3">
+            <a:extLst>
+              <a:ext uri="{28A0092B-C50C-407E-A947-70E740481C1C}">
+                <a14:useLocalDpi xmlns:a14="http://schemas.microsoft.com/office/drawing/2010/main" val="0"/>
+              </a:ext>
+            </a:extLst>
+          </a:blip>
+          <a:srcRect/>
+          <a:stretch>
+            <a:fillRect/>
+          </a:stretch>
+        </p:blipFill>
+        <p:spPr bwMode="auto">
+          <a:xfrm>
+            <a:off x="5014686" y="949457"/>
+            <a:ext cx="3401664" cy="3431319"/>
+          </a:xfrm>
+          <a:prstGeom prst="rect">
+            <a:avLst/>
+          </a:prstGeom>
+          <a:noFill/>
+          <a:extLst>
+            <a:ext uri="{909E8E84-426E-40DD-AFC4-6F175D3DCCD1}">
+              <a14:hiddenFill xmlns:a14="http://schemas.microsoft.com/office/drawing/2010/main">
+                <a:solidFill>
+                  <a:srgbClr val="FFFFFF"/>
+                </a:solidFill>
+              </a14:hiddenFill>
+            </a:ext>
+          </a:extLst>
+        </p:spPr>
+      </p:pic>
+      <p:sp>
+        <p:nvSpPr>
+          <p:cNvPr id="3" name="Google Shape;101;p2">
+            <a:extLst>
+              <a:ext uri="{FF2B5EF4-FFF2-40B4-BE49-F238E27FC236}">
+                <a16:creationId xmlns:a16="http://schemas.microsoft.com/office/drawing/2014/main" id="{7569990B-1BB5-A005-1375-E9A6D6C021EF}"/>
+              </a:ext>
+            </a:extLst>
+          </p:cNvPr>
+          <p:cNvSpPr txBox="1">
+            <a:spLocks/>
+          </p:cNvSpPr>
+          <p:nvPr/>
+        </p:nvSpPr>
+        <p:spPr>
+          <a:xfrm>
+            <a:off x="653144" y="4380777"/>
+            <a:ext cx="8149770" cy="762673"/>
+          </a:xfrm>
+          <a:prstGeom prst="rect">
+            <a:avLst/>
+          </a:prstGeom>
+          <a:noFill/>
+          <a:ln>
+            <a:noFill/>
+          </a:ln>
+        </p:spPr>
+        <p:txBody>
+          <a:bodyPr spcFirstLastPara="1" wrap="square" lIns="91425" tIns="91425" rIns="91425" bIns="91425" anchor="t" anchorCtr="0">
+            <a:normAutofit fontScale="92500" lnSpcReduction="10000"/>
+          </a:bodyPr>
+          <a:lstStyle>
+            <a:defPPr marR="0" lvl="0" algn="l" rtl="0">
+              <a:lnSpc>
+                <a:spcPct val="100000"/>
+              </a:lnSpc>
+              <a:spcBef>
+                <a:spcPts val="0"/>
+              </a:spcBef>
+              <a:spcAft>
+                <a:spcPts val="0"/>
+              </a:spcAft>
+              <a:defRPr/>
+            </a:defPPr>
+            <a:lvl1pPr marL="0" indent="0">
+              <a:lnSpc>
+                <a:spcPct val="115000"/>
+              </a:lnSpc>
+              <a:buClr>
+                <a:schemeClr val="accent1"/>
+              </a:buClr>
+              <a:buSzPts val="1300"/>
+              <a:buFont typeface="Lato"/>
+              <a:buNone/>
+              <a:defRPr sz="1200">
+                <a:solidFill>
+                  <a:schemeClr val="dk2"/>
+                </a:solidFill>
+              </a:defRPr>
+            </a:lvl1pPr>
+            <a:lvl2pPr marL="914400" indent="-298450">
+              <a:lnSpc>
+                <a:spcPct val="115000"/>
+              </a:lnSpc>
+              <a:buClr>
+                <a:schemeClr val="accent1"/>
+              </a:buClr>
+              <a:buSzPts val="1100"/>
+              <a:buFont typeface="Lato"/>
+              <a:buChar char="○"/>
+              <a:defRPr sz="1100">
+                <a:solidFill>
+                  <a:schemeClr val="accent1"/>
+                </a:solidFill>
+                <a:latin typeface="Lato"/>
+                <a:ea typeface="Lato"/>
+                <a:cs typeface="Lato"/>
+              </a:defRPr>
+            </a:lvl2pPr>
+            <a:lvl3pPr marL="1371600" indent="-298450">
+              <a:lnSpc>
+                <a:spcPct val="115000"/>
+              </a:lnSpc>
+              <a:buClr>
+                <a:schemeClr val="accent1"/>
+              </a:buClr>
+              <a:buSzPts val="1100"/>
+              <a:buFont typeface="Lato"/>
+              <a:buChar char="■"/>
+              <a:defRPr sz="1100">
+                <a:solidFill>
+                  <a:schemeClr val="accent1"/>
+                </a:solidFill>
+                <a:latin typeface="Lato"/>
+                <a:ea typeface="Lato"/>
+                <a:cs typeface="Lato"/>
+              </a:defRPr>
+            </a:lvl3pPr>
+            <a:lvl4pPr marL="1828800" indent="-298450">
+              <a:lnSpc>
+                <a:spcPct val="115000"/>
+              </a:lnSpc>
+              <a:buClr>
+                <a:schemeClr val="accent1"/>
+              </a:buClr>
+              <a:buSzPts val="1100"/>
+              <a:buFont typeface="Lato"/>
+              <a:buChar char="●"/>
+              <a:defRPr sz="1100">
+                <a:solidFill>
+                  <a:schemeClr val="accent1"/>
+                </a:solidFill>
+                <a:latin typeface="Lato"/>
+                <a:ea typeface="Lato"/>
+                <a:cs typeface="Lato"/>
+              </a:defRPr>
+            </a:lvl4pPr>
+            <a:lvl5pPr marL="2286000" indent="-298450">
+              <a:lnSpc>
+                <a:spcPct val="115000"/>
+              </a:lnSpc>
+              <a:buClr>
+                <a:schemeClr val="accent1"/>
+              </a:buClr>
+              <a:buSzPts val="1100"/>
+              <a:buFont typeface="Lato"/>
+              <a:buChar char="○"/>
+              <a:defRPr sz="1100">
+                <a:solidFill>
+                  <a:schemeClr val="accent1"/>
+                </a:solidFill>
+                <a:latin typeface="Lato"/>
+                <a:ea typeface="Lato"/>
+                <a:cs typeface="Lato"/>
+              </a:defRPr>
+            </a:lvl5pPr>
+            <a:lvl6pPr marL="2743200" indent="-298450">
+              <a:lnSpc>
+                <a:spcPct val="115000"/>
+              </a:lnSpc>
+              <a:buClr>
+                <a:schemeClr val="accent1"/>
+              </a:buClr>
+              <a:buSzPts val="1100"/>
+              <a:buFont typeface="Lato"/>
+              <a:buChar char="■"/>
+              <a:defRPr sz="1100">
+                <a:solidFill>
+                  <a:schemeClr val="accent1"/>
+                </a:solidFill>
+                <a:latin typeface="Lato"/>
+                <a:ea typeface="Lato"/>
+                <a:cs typeface="Lato"/>
+              </a:defRPr>
+            </a:lvl6pPr>
+            <a:lvl7pPr marL="3200400" indent="-298450">
+              <a:lnSpc>
+                <a:spcPct val="115000"/>
+              </a:lnSpc>
+              <a:buClr>
+                <a:schemeClr val="accent1"/>
+              </a:buClr>
+              <a:buSzPts val="1100"/>
+              <a:buFont typeface="Lato"/>
+              <a:buChar char="●"/>
+              <a:defRPr sz="1100">
+                <a:solidFill>
+                  <a:schemeClr val="accent1"/>
+                </a:solidFill>
+                <a:latin typeface="Lato"/>
+                <a:ea typeface="Lato"/>
+                <a:cs typeface="Lato"/>
+              </a:defRPr>
+            </a:lvl7pPr>
+            <a:lvl8pPr marL="3657600" indent="-298450">
+              <a:lnSpc>
+                <a:spcPct val="115000"/>
+              </a:lnSpc>
+              <a:buClr>
+                <a:schemeClr val="accent1"/>
+              </a:buClr>
+              <a:buSzPts val="1100"/>
+              <a:buFont typeface="Lato"/>
+              <a:buChar char="○"/>
+              <a:defRPr sz="1100">
+                <a:solidFill>
+                  <a:schemeClr val="accent1"/>
+                </a:solidFill>
+                <a:latin typeface="Lato"/>
+                <a:ea typeface="Lato"/>
+                <a:cs typeface="Lato"/>
+              </a:defRPr>
+            </a:lvl8pPr>
+            <a:lvl9pPr marL="4114800" indent="-298450">
+              <a:lnSpc>
+                <a:spcPct val="115000"/>
+              </a:lnSpc>
+              <a:buClr>
+                <a:schemeClr val="accent1"/>
+              </a:buClr>
+              <a:buSzPts val="1100"/>
+              <a:buFont typeface="Lato"/>
+              <a:buChar char="■"/>
+              <a:defRPr sz="1100">
+                <a:solidFill>
+                  <a:schemeClr val="accent1"/>
+                </a:solidFill>
+                <a:latin typeface="Lato"/>
+                <a:ea typeface="Lato"/>
+                <a:cs typeface="Lato"/>
+              </a:defRPr>
+            </a:lvl9pPr>
+          </a:lstStyle>
+          <a:p>
+            <a:r>
+              <a:rPr lang="en-US" sz="1300" dirty="0">
+                <a:sym typeface="Lato"/>
+              </a:rPr>
+              <a:t>This model’s Classification report and Confusion matrix for the test data has a high precision and recall for classifying image categories 1, 2, 4 and 6. We observe a similar test accuracy and smaller loss for this model (relative to baseline CNN) meaning the number of errors made is similar, but the magnitude of errors is smaller.</a:t>
+            </a:r>
+          </a:p>
+          <a:p>
+            <a:endParaRPr lang="en-US" dirty="0"/>
+          </a:p>
+        </p:txBody>
+      </p:sp>
+      <p:pic>
+        <p:nvPicPr>
+          <p:cNvPr id="5" name="Picture 4">
+            <a:extLst>
+              <a:ext uri="{FF2B5EF4-FFF2-40B4-BE49-F238E27FC236}">
+                <a16:creationId xmlns:a16="http://schemas.microsoft.com/office/drawing/2014/main" id="{D35A4569-3A3E-6DD7-D57A-9EA7C989C131}"/>
+              </a:ext>
+            </a:extLst>
+          </p:cNvPr>
+          <p:cNvPicPr>
+            <a:picLocks noChangeAspect="1"/>
+          </p:cNvPicPr>
+          <p:nvPr/>
+        </p:nvPicPr>
+        <p:blipFill>
+          <a:blip r:embed="rId4"/>
+          <a:stretch>
+            <a:fillRect/>
+          </a:stretch>
+        </p:blipFill>
+        <p:spPr>
+          <a:xfrm>
+            <a:off x="727648" y="4029541"/>
+            <a:ext cx="3584396" cy="351235"/>
+          </a:xfrm>
+          <a:prstGeom prst="rect">
+            <a:avLst/>
+          </a:prstGeom>
+        </p:spPr>
+      </p:pic>
+      <p:pic>
+        <p:nvPicPr>
+          <p:cNvPr id="8" name="Picture 7">
+            <a:extLst>
+              <a:ext uri="{FF2B5EF4-FFF2-40B4-BE49-F238E27FC236}">
+                <a16:creationId xmlns:a16="http://schemas.microsoft.com/office/drawing/2014/main" id="{17C932F7-66EC-9B6B-93C9-D14D81D9D544}"/>
               </a:ext>
             </a:extLst>
           </p:cNvPr>
@@ -11718,8 +11944,8 @@
         </p:blipFill>
         <p:spPr>
           <a:xfrm>
-            <a:off x="84584" y="4608261"/>
-            <a:ext cx="4039362" cy="406988"/>
+            <a:off x="727648" y="1570052"/>
+            <a:ext cx="3529189" cy="2454728"/>
           </a:xfrm>
           <a:prstGeom prst="rect">
             <a:avLst/>
@@ -11918,106 +12144,12 @@
           </a:p>
         </p:txBody>
       </p:sp>
-      <p:pic>
-        <p:nvPicPr>
-          <p:cNvPr id="2050" name="Picture 2">
+      <p:sp>
+        <p:nvSpPr>
+          <p:cNvPr id="5" name="Google Shape;101;p2">
             <a:extLst>
               <a:ext uri="{FF2B5EF4-FFF2-40B4-BE49-F238E27FC236}">
-                <a16:creationId xmlns:a16="http://schemas.microsoft.com/office/drawing/2014/main" id="{EAE55D36-5C87-5E1C-86B9-0F2A39A42EE3}"/>
-              </a:ext>
-            </a:extLst>
-          </p:cNvPr>
-          <p:cNvPicPr>
-            <a:picLocks noChangeAspect="1" noChangeArrowheads="1"/>
-          </p:cNvPicPr>
-          <p:nvPr/>
-        </p:nvPicPr>
-        <p:blipFill>
-          <a:blip r:embed="rId3">
-            <a:extLst>
-              <a:ext uri="{28A0092B-C50C-407E-A947-70E740481C1C}">
-                <a14:useLocalDpi xmlns:a14="http://schemas.microsoft.com/office/drawing/2010/main" val="0"/>
-              </a:ext>
-            </a:extLst>
-          </a:blip>
-          <a:srcRect/>
-          <a:stretch>
-            <a:fillRect/>
-          </a:stretch>
-        </p:blipFill>
-        <p:spPr bwMode="auto">
-          <a:xfrm>
-            <a:off x="58998" y="1784927"/>
-            <a:ext cx="4142888" cy="3344784"/>
-          </a:xfrm>
-          <a:prstGeom prst="rect">
-            <a:avLst/>
-          </a:prstGeom>
-          <a:noFill/>
-          <a:extLst>
-            <a:ext uri="{909E8E84-426E-40DD-AFC4-6F175D3DCCD1}">
-              <a14:hiddenFill xmlns:a14="http://schemas.microsoft.com/office/drawing/2010/main">
-                <a:solidFill>
-                  <a:srgbClr val="FFFFFF"/>
-                </a:solidFill>
-              </a14:hiddenFill>
-            </a:ext>
-          </a:extLst>
-        </p:spPr>
-      </p:pic>
-      <p:pic>
-        <p:nvPicPr>
-          <p:cNvPr id="2052" name="Picture 4">
-            <a:extLst>
-              <a:ext uri="{FF2B5EF4-FFF2-40B4-BE49-F238E27FC236}">
-                <a16:creationId xmlns:a16="http://schemas.microsoft.com/office/drawing/2014/main" id="{99F58B7F-5E36-D885-21E1-D38AA663995B}"/>
-              </a:ext>
-            </a:extLst>
-          </p:cNvPr>
-          <p:cNvPicPr>
-            <a:picLocks noChangeAspect="1" noChangeArrowheads="1"/>
-          </p:cNvPicPr>
-          <p:nvPr/>
-        </p:nvPicPr>
-        <p:blipFill>
-          <a:blip r:embed="rId4">
-            <a:extLst>
-              <a:ext uri="{28A0092B-C50C-407E-A947-70E740481C1C}">
-                <a14:useLocalDpi xmlns:a14="http://schemas.microsoft.com/office/drawing/2010/main" val="0"/>
-              </a:ext>
-            </a:extLst>
-          </a:blip>
-          <a:srcRect/>
-          <a:stretch>
-            <a:fillRect/>
-          </a:stretch>
-        </p:blipFill>
-        <p:spPr bwMode="auto">
-          <a:xfrm>
-            <a:off x="4504683" y="1837977"/>
-            <a:ext cx="4094259" cy="3305523"/>
-          </a:xfrm>
-          <a:prstGeom prst="rect">
-            <a:avLst/>
-          </a:prstGeom>
-          <a:noFill/>
-          <a:extLst>
-            <a:ext uri="{909E8E84-426E-40DD-AFC4-6F175D3DCCD1}">
-              <a14:hiddenFill xmlns:a14="http://schemas.microsoft.com/office/drawing/2010/main">
-                <a:solidFill>
-                  <a:srgbClr val="FFFFFF"/>
-                </a:solidFill>
-              </a14:hiddenFill>
-            </a:ext>
-          </a:extLst>
-        </p:spPr>
-      </p:pic>
-      <p:sp>
-        <p:nvSpPr>
-          <p:cNvPr id="2" name="Google Shape;101;p2">
-            <a:extLst>
-              <a:ext uri="{FF2B5EF4-FFF2-40B4-BE49-F238E27FC236}">
-                <a16:creationId xmlns:a16="http://schemas.microsoft.com/office/drawing/2014/main" id="{7679CB5B-7253-297C-126C-0A4D4C5EB670}"/>
+                <a16:creationId xmlns:a16="http://schemas.microsoft.com/office/drawing/2014/main" id="{80981CC2-5AAA-6DB6-F4D5-6C402555272D}"/>
               </a:ext>
             </a:extLst>
           </p:cNvPr>
@@ -12028,8 +12160,8 @@
         </p:nvSpPr>
         <p:spPr>
           <a:xfrm>
-            <a:off x="2539053" y="1425850"/>
-            <a:ext cx="4337836" cy="426906"/>
+            <a:off x="2091013" y="1361347"/>
+            <a:ext cx="5233916" cy="426906"/>
           </a:xfrm>
           <a:prstGeom prst="rect">
             <a:avLst/>
@@ -12305,7 +12437,7 @@
                 <a:cs typeface="Arial"/>
                 <a:sym typeface="Arial"/>
               </a:rPr>
-              <a:t>Checks for Overfitting:</a:t>
+              <a:t>Checks for Overfitting with Training Data:</a:t>
             </a:r>
             <a:r>
               <a:rPr lang="en-US" sz="1400" dirty="0">
@@ -12349,6 +12481,100 @@
           </a:p>
         </p:txBody>
       </p:sp>
+      <p:pic>
+        <p:nvPicPr>
+          <p:cNvPr id="4098" name="Picture 2">
+            <a:extLst>
+              <a:ext uri="{FF2B5EF4-FFF2-40B4-BE49-F238E27FC236}">
+                <a16:creationId xmlns:a16="http://schemas.microsoft.com/office/drawing/2014/main" id="{B1E641E2-FC7A-0AD8-B6FD-BB9FE443E20B}"/>
+              </a:ext>
+            </a:extLst>
+          </p:cNvPr>
+          <p:cNvPicPr>
+            <a:picLocks noChangeAspect="1" noChangeArrowheads="1"/>
+          </p:cNvPicPr>
+          <p:nvPr/>
+        </p:nvPicPr>
+        <p:blipFill>
+          <a:blip r:embed="rId3">
+            <a:extLst>
+              <a:ext uri="{28A0092B-C50C-407E-A947-70E740481C1C}">
+                <a14:useLocalDpi xmlns:a14="http://schemas.microsoft.com/office/drawing/2010/main" val="0"/>
+              </a:ext>
+            </a:extLst>
+          </a:blip>
+          <a:srcRect/>
+          <a:stretch>
+            <a:fillRect/>
+          </a:stretch>
+        </p:blipFill>
+        <p:spPr bwMode="auto">
+          <a:xfrm>
+            <a:off x="58998" y="1769203"/>
+            <a:ext cx="4142888" cy="3344784"/>
+          </a:xfrm>
+          <a:prstGeom prst="rect">
+            <a:avLst/>
+          </a:prstGeom>
+          <a:noFill/>
+          <a:extLst>
+            <a:ext uri="{909E8E84-426E-40DD-AFC4-6F175D3DCCD1}">
+              <a14:hiddenFill xmlns:a14="http://schemas.microsoft.com/office/drawing/2010/main">
+                <a:solidFill>
+                  <a:srgbClr val="FFFFFF"/>
+                </a:solidFill>
+              </a14:hiddenFill>
+            </a:ext>
+          </a:extLst>
+        </p:spPr>
+      </p:pic>
+      <p:pic>
+        <p:nvPicPr>
+          <p:cNvPr id="4100" name="Picture 4">
+            <a:extLst>
+              <a:ext uri="{FF2B5EF4-FFF2-40B4-BE49-F238E27FC236}">
+                <a16:creationId xmlns:a16="http://schemas.microsoft.com/office/drawing/2014/main" id="{FD28CA45-EEF3-C644-FA32-601AB3CB7600}"/>
+              </a:ext>
+            </a:extLst>
+          </p:cNvPr>
+          <p:cNvPicPr>
+            <a:picLocks noChangeAspect="1" noChangeArrowheads="1"/>
+          </p:cNvPicPr>
+          <p:nvPr/>
+        </p:nvPicPr>
+        <p:blipFill>
+          <a:blip r:embed="rId4">
+            <a:extLst>
+              <a:ext uri="{28A0092B-C50C-407E-A947-70E740481C1C}">
+                <a14:useLocalDpi xmlns:a14="http://schemas.microsoft.com/office/drawing/2010/main" val="0"/>
+              </a:ext>
+            </a:extLst>
+          </a:blip>
+          <a:srcRect/>
+          <a:stretch>
+            <a:fillRect/>
+          </a:stretch>
+        </p:blipFill>
+        <p:spPr bwMode="auto">
+          <a:xfrm>
+            <a:off x="4488857" y="1769203"/>
+            <a:ext cx="4142889" cy="3344784"/>
+          </a:xfrm>
+          <a:prstGeom prst="rect">
+            <a:avLst/>
+          </a:prstGeom>
+          <a:noFill/>
+          <a:extLst>
+            <a:ext uri="{909E8E84-426E-40DD-AFC4-6F175D3DCCD1}">
+              <a14:hiddenFill xmlns:a14="http://schemas.microsoft.com/office/drawing/2010/main">
+                <a:solidFill>
+                  <a:srgbClr val="FFFFFF"/>
+                </a:solidFill>
+              </a14:hiddenFill>
+            </a:ext>
+          </a:extLst>
+        </p:spPr>
+      </p:pic>
     </p:spTree>
     <p:extLst>
       <p:ext uri="{BB962C8B-B14F-4D97-AF65-F5344CB8AC3E}">
@@ -12532,42 +12758,325 @@
           </a:p>
         </p:txBody>
       </p:sp>
-      <p:pic>
-        <p:nvPicPr>
-          <p:cNvPr id="7" name="Picture 6">
+      <p:sp>
+        <p:nvSpPr>
+          <p:cNvPr id="2" name="Google Shape;101;p2">
             <a:extLst>
               <a:ext uri="{FF2B5EF4-FFF2-40B4-BE49-F238E27FC236}">
-                <a16:creationId xmlns:a16="http://schemas.microsoft.com/office/drawing/2014/main" id="{F8695637-8BBC-3AF1-FE52-4117064D0432}"/>
+                <a16:creationId xmlns:a16="http://schemas.microsoft.com/office/drawing/2014/main" id="{549635BA-3EAA-827D-661E-2CDEB10A61A2}"/>
               </a:ext>
             </a:extLst>
           </p:cNvPr>
-          <p:cNvPicPr>
-            <a:picLocks noChangeAspect="1"/>
-          </p:cNvPicPr>
+          <p:cNvSpPr txBox="1">
+            <a:spLocks/>
+          </p:cNvSpPr>
           <p:nvPr/>
-        </p:nvPicPr>
-        <p:blipFill>
-          <a:blip r:embed="rId3"/>
-          <a:stretch>
-            <a:fillRect/>
-          </a:stretch>
-        </p:blipFill>
+        </p:nvSpPr>
         <p:spPr>
           <a:xfrm>
-            <a:off x="195784" y="1574800"/>
-            <a:ext cx="4473702" cy="2786743"/>
+            <a:off x="268514" y="4380776"/>
+            <a:ext cx="8483600" cy="762673"/>
           </a:xfrm>
           <a:prstGeom prst="rect">
             <a:avLst/>
           </a:prstGeom>
+          <a:noFill/>
+          <a:ln>
+            <a:noFill/>
+          </a:ln>
         </p:spPr>
-      </p:pic>
+        <p:txBody>
+          <a:bodyPr spcFirstLastPara="1" wrap="square" lIns="91425" tIns="91425" rIns="91425" bIns="91425" anchor="t" anchorCtr="0">
+            <a:normAutofit lnSpcReduction="10000"/>
+          </a:bodyPr>
+          <a:lstStyle>
+            <a:defPPr marR="0" lvl="0" algn="l" rtl="0">
+              <a:lnSpc>
+                <a:spcPct val="100000"/>
+              </a:lnSpc>
+              <a:spcBef>
+                <a:spcPts val="0"/>
+              </a:spcBef>
+              <a:spcAft>
+                <a:spcPts val="0"/>
+              </a:spcAft>
+            </a:defPPr>
+            <a:lvl1pPr marL="457200" marR="0" lvl="0" indent="-311150" algn="l" rtl="0">
+              <a:lnSpc>
+                <a:spcPct val="115000"/>
+              </a:lnSpc>
+              <a:spcBef>
+                <a:spcPts val="0"/>
+              </a:spcBef>
+              <a:spcAft>
+                <a:spcPts val="0"/>
+              </a:spcAft>
+              <a:buClr>
+                <a:schemeClr val="accent1"/>
+              </a:buClr>
+              <a:buSzPts val="1300"/>
+              <a:buFont typeface="Lato"/>
+              <a:buChar char="●"/>
+              <a:defRPr sz="1300" b="0" i="0" u="none" strike="noStrike" cap="none">
+                <a:solidFill>
+                  <a:schemeClr val="accent1"/>
+                </a:solidFill>
+                <a:latin typeface="Lato"/>
+                <a:ea typeface="Lato"/>
+                <a:cs typeface="Lato"/>
+                <a:sym typeface="Lato"/>
+              </a:defRPr>
+            </a:lvl1pPr>
+            <a:lvl2pPr marL="914400" marR="0" lvl="1" indent="-298450" algn="l" rtl="0">
+              <a:lnSpc>
+                <a:spcPct val="115000"/>
+              </a:lnSpc>
+              <a:spcBef>
+                <a:spcPts val="0"/>
+              </a:spcBef>
+              <a:spcAft>
+                <a:spcPts val="0"/>
+              </a:spcAft>
+              <a:buClr>
+                <a:schemeClr val="accent1"/>
+              </a:buClr>
+              <a:buSzPts val="1100"/>
+              <a:buFont typeface="Lato"/>
+              <a:buChar char="○"/>
+              <a:defRPr sz="1100" b="0" i="0" u="none" strike="noStrike" cap="none">
+                <a:solidFill>
+                  <a:schemeClr val="accent1"/>
+                </a:solidFill>
+                <a:latin typeface="Lato"/>
+                <a:ea typeface="Lato"/>
+                <a:cs typeface="Lato"/>
+                <a:sym typeface="Lato"/>
+              </a:defRPr>
+            </a:lvl2pPr>
+            <a:lvl3pPr marL="1371600" marR="0" lvl="2" indent="-298450" algn="l" rtl="0">
+              <a:lnSpc>
+                <a:spcPct val="115000"/>
+              </a:lnSpc>
+              <a:spcBef>
+                <a:spcPts val="0"/>
+              </a:spcBef>
+              <a:spcAft>
+                <a:spcPts val="0"/>
+              </a:spcAft>
+              <a:buClr>
+                <a:schemeClr val="accent1"/>
+              </a:buClr>
+              <a:buSzPts val="1100"/>
+              <a:buFont typeface="Lato"/>
+              <a:buChar char="■"/>
+              <a:defRPr sz="1100" b="0" i="0" u="none" strike="noStrike" cap="none">
+                <a:solidFill>
+                  <a:schemeClr val="accent1"/>
+                </a:solidFill>
+                <a:latin typeface="Lato"/>
+                <a:ea typeface="Lato"/>
+                <a:cs typeface="Lato"/>
+                <a:sym typeface="Lato"/>
+              </a:defRPr>
+            </a:lvl3pPr>
+            <a:lvl4pPr marL="1828800" marR="0" lvl="3" indent="-298450" algn="l" rtl="0">
+              <a:lnSpc>
+                <a:spcPct val="115000"/>
+              </a:lnSpc>
+              <a:spcBef>
+                <a:spcPts val="0"/>
+              </a:spcBef>
+              <a:spcAft>
+                <a:spcPts val="0"/>
+              </a:spcAft>
+              <a:buClr>
+                <a:schemeClr val="accent1"/>
+              </a:buClr>
+              <a:buSzPts val="1100"/>
+              <a:buFont typeface="Lato"/>
+              <a:buChar char="●"/>
+              <a:defRPr sz="1100" b="0" i="0" u="none" strike="noStrike" cap="none">
+                <a:solidFill>
+                  <a:schemeClr val="accent1"/>
+                </a:solidFill>
+                <a:latin typeface="Lato"/>
+                <a:ea typeface="Lato"/>
+                <a:cs typeface="Lato"/>
+                <a:sym typeface="Lato"/>
+              </a:defRPr>
+            </a:lvl4pPr>
+            <a:lvl5pPr marL="2286000" marR="0" lvl="4" indent="-298450" algn="l" rtl="0">
+              <a:lnSpc>
+                <a:spcPct val="115000"/>
+              </a:lnSpc>
+              <a:spcBef>
+                <a:spcPts val="0"/>
+              </a:spcBef>
+              <a:spcAft>
+                <a:spcPts val="0"/>
+              </a:spcAft>
+              <a:buClr>
+                <a:schemeClr val="accent1"/>
+              </a:buClr>
+              <a:buSzPts val="1100"/>
+              <a:buFont typeface="Lato"/>
+              <a:buChar char="○"/>
+              <a:defRPr sz="1100" b="0" i="0" u="none" strike="noStrike" cap="none">
+                <a:solidFill>
+                  <a:schemeClr val="accent1"/>
+                </a:solidFill>
+                <a:latin typeface="Lato"/>
+                <a:ea typeface="Lato"/>
+                <a:cs typeface="Lato"/>
+                <a:sym typeface="Lato"/>
+              </a:defRPr>
+            </a:lvl5pPr>
+            <a:lvl6pPr marL="2743200" marR="0" lvl="5" indent="-298450" algn="l" rtl="0">
+              <a:lnSpc>
+                <a:spcPct val="115000"/>
+              </a:lnSpc>
+              <a:spcBef>
+                <a:spcPts val="0"/>
+              </a:spcBef>
+              <a:spcAft>
+                <a:spcPts val="0"/>
+              </a:spcAft>
+              <a:buClr>
+                <a:schemeClr val="accent1"/>
+              </a:buClr>
+              <a:buSzPts val="1100"/>
+              <a:buFont typeface="Lato"/>
+              <a:buChar char="■"/>
+              <a:defRPr sz="1100" b="0" i="0" u="none" strike="noStrike" cap="none">
+                <a:solidFill>
+                  <a:schemeClr val="accent1"/>
+                </a:solidFill>
+                <a:latin typeface="Lato"/>
+                <a:ea typeface="Lato"/>
+                <a:cs typeface="Lato"/>
+                <a:sym typeface="Lato"/>
+              </a:defRPr>
+            </a:lvl6pPr>
+            <a:lvl7pPr marL="3200400" marR="0" lvl="6" indent="-298450" algn="l" rtl="0">
+              <a:lnSpc>
+                <a:spcPct val="115000"/>
+              </a:lnSpc>
+              <a:spcBef>
+                <a:spcPts val="0"/>
+              </a:spcBef>
+              <a:spcAft>
+                <a:spcPts val="0"/>
+              </a:spcAft>
+              <a:buClr>
+                <a:schemeClr val="accent1"/>
+              </a:buClr>
+              <a:buSzPts val="1100"/>
+              <a:buFont typeface="Lato"/>
+              <a:buChar char="●"/>
+              <a:defRPr sz="1100" b="0" i="0" u="none" strike="noStrike" cap="none">
+                <a:solidFill>
+                  <a:schemeClr val="accent1"/>
+                </a:solidFill>
+                <a:latin typeface="Lato"/>
+                <a:ea typeface="Lato"/>
+                <a:cs typeface="Lato"/>
+                <a:sym typeface="Lato"/>
+              </a:defRPr>
+            </a:lvl7pPr>
+            <a:lvl8pPr marL="3657600" marR="0" lvl="7" indent="-298450" algn="l" rtl="0">
+              <a:lnSpc>
+                <a:spcPct val="115000"/>
+              </a:lnSpc>
+              <a:spcBef>
+                <a:spcPts val="0"/>
+              </a:spcBef>
+              <a:spcAft>
+                <a:spcPts val="0"/>
+              </a:spcAft>
+              <a:buClr>
+                <a:schemeClr val="accent1"/>
+              </a:buClr>
+              <a:buSzPts val="1100"/>
+              <a:buFont typeface="Lato"/>
+              <a:buChar char="○"/>
+              <a:defRPr sz="1100" b="0" i="0" u="none" strike="noStrike" cap="none">
+                <a:solidFill>
+                  <a:schemeClr val="accent1"/>
+                </a:solidFill>
+                <a:latin typeface="Lato"/>
+                <a:ea typeface="Lato"/>
+                <a:cs typeface="Lato"/>
+                <a:sym typeface="Lato"/>
+              </a:defRPr>
+            </a:lvl8pPr>
+            <a:lvl9pPr marL="4114800" marR="0" lvl="8" indent="-298450" algn="l" rtl="0">
+              <a:lnSpc>
+                <a:spcPct val="115000"/>
+              </a:lnSpc>
+              <a:spcBef>
+                <a:spcPts val="0"/>
+              </a:spcBef>
+              <a:spcAft>
+                <a:spcPts val="0"/>
+              </a:spcAft>
+              <a:buClr>
+                <a:schemeClr val="accent1"/>
+              </a:buClr>
+              <a:buSzPts val="1100"/>
+              <a:buFont typeface="Lato"/>
+              <a:buChar char="■"/>
+              <a:defRPr sz="1100" b="0" i="0" u="none" strike="noStrike" cap="none">
+                <a:solidFill>
+                  <a:schemeClr val="accent1"/>
+                </a:solidFill>
+                <a:latin typeface="Lato"/>
+                <a:ea typeface="Lato"/>
+                <a:cs typeface="Lato"/>
+                <a:sym typeface="Lato"/>
+              </a:defRPr>
+            </a:lvl9pPr>
+          </a:lstStyle>
+          <a:p>
+            <a:pPr marL="0" indent="0">
+              <a:buFont typeface="Lato"/>
+              <a:buNone/>
+            </a:pPr>
+            <a:r>
+              <a:rPr lang="en-US" sz="1200" dirty="0">
+                <a:solidFill>
+                  <a:schemeClr val="dk2"/>
+                </a:solidFill>
+                <a:latin typeface="Arial"/>
+                <a:ea typeface="Arial"/>
+                <a:cs typeface="Arial"/>
+                <a:sym typeface="Arial"/>
+              </a:rPr>
+              <a:t>This model’s Classification report and Confusion matrix for the test data has a high precision and recall for classifying image categories 1, 2, 4, 6 and 9. We observe a similar test accuracy and loss for this model (relative to LeNet5) so the number of errors and their magnitude is like LeNet5.</a:t>
+            </a:r>
+          </a:p>
+          <a:p>
+            <a:pPr marL="0" indent="0">
+              <a:buFont typeface="Lato"/>
+              <a:buNone/>
+            </a:pPr>
+            <a:endParaRPr lang="en-US" sz="1200" dirty="0">
+              <a:solidFill>
+                <a:schemeClr val="dk2"/>
+              </a:solidFill>
+              <a:latin typeface="Arial"/>
+              <a:ea typeface="Arial"/>
+              <a:cs typeface="Arial"/>
+              <a:sym typeface="Arial"/>
+            </a:endParaRPr>
+          </a:p>
+        </p:txBody>
+      </p:sp>
       <p:pic>
         <p:nvPicPr>
-          <p:cNvPr id="8196" name="Picture 4">
+          <p:cNvPr id="5122" name="Picture 2">
             <a:extLst>
               <a:ext uri="{FF2B5EF4-FFF2-40B4-BE49-F238E27FC236}">
-                <a16:creationId xmlns:a16="http://schemas.microsoft.com/office/drawing/2014/main" id="{33036610-1B13-E731-3BFD-59F2EB814932}"/>
+                <a16:creationId xmlns:a16="http://schemas.microsoft.com/office/drawing/2014/main" id="{8B7153C4-5FC1-4D0A-5681-0E1C6C0F7DB3}"/>
               </a:ext>
             </a:extLst>
           </p:cNvPr>
@@ -12577,7 +13086,7 @@
           <p:nvPr/>
         </p:nvPicPr>
         <p:blipFill>
-          <a:blip r:embed="rId4">
+          <a:blip r:embed="rId3">
             <a:extLst>
               <a:ext uri="{28A0092B-C50C-407E-A947-70E740481C1C}">
                 <a14:useLocalDpi xmlns:a14="http://schemas.microsoft.com/office/drawing/2010/main" val="0"/>
@@ -12591,8 +13100,8 @@
         </p:blipFill>
         <p:spPr bwMode="auto">
           <a:xfrm>
-            <a:off x="4637750" y="1044072"/>
-            <a:ext cx="4064000" cy="4099428"/>
+            <a:off x="4951109" y="911251"/>
+            <a:ext cx="3465241" cy="3469525"/>
           </a:xfrm>
           <a:prstGeom prst="rect">
             <a:avLst/>
@@ -12611,10 +13120,40 @@
       </p:pic>
       <p:pic>
         <p:nvPicPr>
-          <p:cNvPr id="9" name="Picture 8">
+          <p:cNvPr id="4" name="Picture 3">
             <a:extLst>
               <a:ext uri="{FF2B5EF4-FFF2-40B4-BE49-F238E27FC236}">
-                <a16:creationId xmlns:a16="http://schemas.microsoft.com/office/drawing/2014/main" id="{FEE2C078-4CF3-D44B-88B7-77ABE1E26254}"/>
+                <a16:creationId xmlns:a16="http://schemas.microsoft.com/office/drawing/2014/main" id="{32970A40-F506-8315-4058-E9566AB15026}"/>
+              </a:ext>
+            </a:extLst>
+          </p:cNvPr>
+          <p:cNvPicPr>
+            <a:picLocks noChangeAspect="1"/>
+          </p:cNvPicPr>
+          <p:nvPr/>
+        </p:nvPicPr>
+        <p:blipFill>
+          <a:blip r:embed="rId4"/>
+          <a:stretch>
+            <a:fillRect/>
+          </a:stretch>
+        </p:blipFill>
+        <p:spPr>
+          <a:xfrm>
+            <a:off x="334964" y="4047574"/>
+            <a:ext cx="4070834" cy="385563"/>
+          </a:xfrm>
+          <a:prstGeom prst="rect">
+            <a:avLst/>
+          </a:prstGeom>
+        </p:spPr>
+      </p:pic>
+      <p:pic>
+        <p:nvPicPr>
+          <p:cNvPr id="6" name="Picture 5">
+            <a:extLst>
+              <a:ext uri="{FF2B5EF4-FFF2-40B4-BE49-F238E27FC236}">
+                <a16:creationId xmlns:a16="http://schemas.microsoft.com/office/drawing/2014/main" id="{1242952B-4205-3546-D95A-559CFBE302BF}"/>
               </a:ext>
             </a:extLst>
           </p:cNvPr>
@@ -12631,8 +13170,8 @@
         </p:blipFill>
         <p:spPr>
           <a:xfrm>
-            <a:off x="195784" y="4491242"/>
-            <a:ext cx="4151245" cy="363817"/>
+            <a:off x="334964" y="1506406"/>
+            <a:ext cx="4482243" cy="2489200"/>
           </a:xfrm>
           <a:prstGeom prst="rect">
             <a:avLst/>
@@ -13075,12 +13614,349 @@
           </a:p>
         </p:txBody>
       </p:sp>
+      <p:sp>
+        <p:nvSpPr>
+          <p:cNvPr id="3" name="Google Shape;101;p2">
+            <a:extLst>
+              <a:ext uri="{FF2B5EF4-FFF2-40B4-BE49-F238E27FC236}">
+                <a16:creationId xmlns:a16="http://schemas.microsoft.com/office/drawing/2014/main" id="{66311FF1-5452-A27C-4A73-1ACED6D185E3}"/>
+              </a:ext>
+            </a:extLst>
+          </p:cNvPr>
+          <p:cNvSpPr txBox="1">
+            <a:spLocks/>
+          </p:cNvSpPr>
+          <p:nvPr/>
+        </p:nvSpPr>
+        <p:spPr>
+          <a:xfrm>
+            <a:off x="2156574" y="1440366"/>
+            <a:ext cx="5233916" cy="426906"/>
+          </a:xfrm>
+          <a:prstGeom prst="rect">
+            <a:avLst/>
+          </a:prstGeom>
+          <a:noFill/>
+          <a:ln>
+            <a:noFill/>
+          </a:ln>
+        </p:spPr>
+        <p:txBody>
+          <a:bodyPr spcFirstLastPara="1" wrap="square" lIns="91425" tIns="91425" rIns="91425" bIns="91425" anchor="t" anchorCtr="0">
+            <a:normAutofit fontScale="92500"/>
+          </a:bodyPr>
+          <a:lstStyle>
+            <a:defPPr marR="0" lvl="0" algn="l" rtl="0">
+              <a:lnSpc>
+                <a:spcPct val="100000"/>
+              </a:lnSpc>
+              <a:spcBef>
+                <a:spcPts val="0"/>
+              </a:spcBef>
+              <a:spcAft>
+                <a:spcPts val="0"/>
+              </a:spcAft>
+            </a:defPPr>
+            <a:lvl1pPr marL="457200" marR="0" lvl="0" indent="-311150" algn="l" rtl="0">
+              <a:lnSpc>
+                <a:spcPct val="115000"/>
+              </a:lnSpc>
+              <a:spcBef>
+                <a:spcPts val="0"/>
+              </a:spcBef>
+              <a:spcAft>
+                <a:spcPts val="0"/>
+              </a:spcAft>
+              <a:buClr>
+                <a:schemeClr val="accent1"/>
+              </a:buClr>
+              <a:buSzPts val="1300"/>
+              <a:buFont typeface="Lato"/>
+              <a:buChar char="●"/>
+              <a:defRPr sz="1300" b="0" i="0" u="none" strike="noStrike" cap="none">
+                <a:solidFill>
+                  <a:schemeClr val="accent1"/>
+                </a:solidFill>
+                <a:latin typeface="Lato"/>
+                <a:ea typeface="Lato"/>
+                <a:cs typeface="Lato"/>
+                <a:sym typeface="Lato"/>
+              </a:defRPr>
+            </a:lvl1pPr>
+            <a:lvl2pPr marL="914400" marR="0" lvl="1" indent="-298450" algn="l" rtl="0">
+              <a:lnSpc>
+                <a:spcPct val="115000"/>
+              </a:lnSpc>
+              <a:spcBef>
+                <a:spcPts val="0"/>
+              </a:spcBef>
+              <a:spcAft>
+                <a:spcPts val="0"/>
+              </a:spcAft>
+              <a:buClr>
+                <a:schemeClr val="accent1"/>
+              </a:buClr>
+              <a:buSzPts val="1100"/>
+              <a:buFont typeface="Lato"/>
+              <a:buChar char="○"/>
+              <a:defRPr sz="1100" b="0" i="0" u="none" strike="noStrike" cap="none">
+                <a:solidFill>
+                  <a:schemeClr val="accent1"/>
+                </a:solidFill>
+                <a:latin typeface="Lato"/>
+                <a:ea typeface="Lato"/>
+                <a:cs typeface="Lato"/>
+                <a:sym typeface="Lato"/>
+              </a:defRPr>
+            </a:lvl2pPr>
+            <a:lvl3pPr marL="1371600" marR="0" lvl="2" indent="-298450" algn="l" rtl="0">
+              <a:lnSpc>
+                <a:spcPct val="115000"/>
+              </a:lnSpc>
+              <a:spcBef>
+                <a:spcPts val="0"/>
+              </a:spcBef>
+              <a:spcAft>
+                <a:spcPts val="0"/>
+              </a:spcAft>
+              <a:buClr>
+                <a:schemeClr val="accent1"/>
+              </a:buClr>
+              <a:buSzPts val="1100"/>
+              <a:buFont typeface="Lato"/>
+              <a:buChar char="■"/>
+              <a:defRPr sz="1100" b="0" i="0" u="none" strike="noStrike" cap="none">
+                <a:solidFill>
+                  <a:schemeClr val="accent1"/>
+                </a:solidFill>
+                <a:latin typeface="Lato"/>
+                <a:ea typeface="Lato"/>
+                <a:cs typeface="Lato"/>
+                <a:sym typeface="Lato"/>
+              </a:defRPr>
+            </a:lvl3pPr>
+            <a:lvl4pPr marL="1828800" marR="0" lvl="3" indent="-298450" algn="l" rtl="0">
+              <a:lnSpc>
+                <a:spcPct val="115000"/>
+              </a:lnSpc>
+              <a:spcBef>
+                <a:spcPts val="0"/>
+              </a:spcBef>
+              <a:spcAft>
+                <a:spcPts val="0"/>
+              </a:spcAft>
+              <a:buClr>
+                <a:schemeClr val="accent1"/>
+              </a:buClr>
+              <a:buSzPts val="1100"/>
+              <a:buFont typeface="Lato"/>
+              <a:buChar char="●"/>
+              <a:defRPr sz="1100" b="0" i="0" u="none" strike="noStrike" cap="none">
+                <a:solidFill>
+                  <a:schemeClr val="accent1"/>
+                </a:solidFill>
+                <a:latin typeface="Lato"/>
+                <a:ea typeface="Lato"/>
+                <a:cs typeface="Lato"/>
+                <a:sym typeface="Lato"/>
+              </a:defRPr>
+            </a:lvl4pPr>
+            <a:lvl5pPr marL="2286000" marR="0" lvl="4" indent="-298450" algn="l" rtl="0">
+              <a:lnSpc>
+                <a:spcPct val="115000"/>
+              </a:lnSpc>
+              <a:spcBef>
+                <a:spcPts val="0"/>
+              </a:spcBef>
+              <a:spcAft>
+                <a:spcPts val="0"/>
+              </a:spcAft>
+              <a:buClr>
+                <a:schemeClr val="accent1"/>
+              </a:buClr>
+              <a:buSzPts val="1100"/>
+              <a:buFont typeface="Lato"/>
+              <a:buChar char="○"/>
+              <a:defRPr sz="1100" b="0" i="0" u="none" strike="noStrike" cap="none">
+                <a:solidFill>
+                  <a:schemeClr val="accent1"/>
+                </a:solidFill>
+                <a:latin typeface="Lato"/>
+                <a:ea typeface="Lato"/>
+                <a:cs typeface="Lato"/>
+                <a:sym typeface="Lato"/>
+              </a:defRPr>
+            </a:lvl5pPr>
+            <a:lvl6pPr marL="2743200" marR="0" lvl="5" indent="-298450" algn="l" rtl="0">
+              <a:lnSpc>
+                <a:spcPct val="115000"/>
+              </a:lnSpc>
+              <a:spcBef>
+                <a:spcPts val="0"/>
+              </a:spcBef>
+              <a:spcAft>
+                <a:spcPts val="0"/>
+              </a:spcAft>
+              <a:buClr>
+                <a:schemeClr val="accent1"/>
+              </a:buClr>
+              <a:buSzPts val="1100"/>
+              <a:buFont typeface="Lato"/>
+              <a:buChar char="■"/>
+              <a:defRPr sz="1100" b="0" i="0" u="none" strike="noStrike" cap="none">
+                <a:solidFill>
+                  <a:schemeClr val="accent1"/>
+                </a:solidFill>
+                <a:latin typeface="Lato"/>
+                <a:ea typeface="Lato"/>
+                <a:cs typeface="Lato"/>
+                <a:sym typeface="Lato"/>
+              </a:defRPr>
+            </a:lvl6pPr>
+            <a:lvl7pPr marL="3200400" marR="0" lvl="6" indent="-298450" algn="l" rtl="0">
+              <a:lnSpc>
+                <a:spcPct val="115000"/>
+              </a:lnSpc>
+              <a:spcBef>
+                <a:spcPts val="0"/>
+              </a:spcBef>
+              <a:spcAft>
+                <a:spcPts val="0"/>
+              </a:spcAft>
+              <a:buClr>
+                <a:schemeClr val="accent1"/>
+              </a:buClr>
+              <a:buSzPts val="1100"/>
+              <a:buFont typeface="Lato"/>
+              <a:buChar char="●"/>
+              <a:defRPr sz="1100" b="0" i="0" u="none" strike="noStrike" cap="none">
+                <a:solidFill>
+                  <a:schemeClr val="accent1"/>
+                </a:solidFill>
+                <a:latin typeface="Lato"/>
+                <a:ea typeface="Lato"/>
+                <a:cs typeface="Lato"/>
+                <a:sym typeface="Lato"/>
+              </a:defRPr>
+            </a:lvl7pPr>
+            <a:lvl8pPr marL="3657600" marR="0" lvl="7" indent="-298450" algn="l" rtl="0">
+              <a:lnSpc>
+                <a:spcPct val="115000"/>
+              </a:lnSpc>
+              <a:spcBef>
+                <a:spcPts val="0"/>
+              </a:spcBef>
+              <a:spcAft>
+                <a:spcPts val="0"/>
+              </a:spcAft>
+              <a:buClr>
+                <a:schemeClr val="accent1"/>
+              </a:buClr>
+              <a:buSzPts val="1100"/>
+              <a:buFont typeface="Lato"/>
+              <a:buChar char="○"/>
+              <a:defRPr sz="1100" b="0" i="0" u="none" strike="noStrike" cap="none">
+                <a:solidFill>
+                  <a:schemeClr val="accent1"/>
+                </a:solidFill>
+                <a:latin typeface="Lato"/>
+                <a:ea typeface="Lato"/>
+                <a:cs typeface="Lato"/>
+                <a:sym typeface="Lato"/>
+              </a:defRPr>
+            </a:lvl8pPr>
+            <a:lvl9pPr marL="4114800" marR="0" lvl="8" indent="-298450" algn="l" rtl="0">
+              <a:lnSpc>
+                <a:spcPct val="115000"/>
+              </a:lnSpc>
+              <a:spcBef>
+                <a:spcPts val="0"/>
+              </a:spcBef>
+              <a:spcAft>
+                <a:spcPts val="0"/>
+              </a:spcAft>
+              <a:buClr>
+                <a:schemeClr val="accent1"/>
+              </a:buClr>
+              <a:buSzPts val="1100"/>
+              <a:buFont typeface="Lato"/>
+              <a:buChar char="■"/>
+              <a:defRPr sz="1100" b="0" i="0" u="none" strike="noStrike" cap="none">
+                <a:solidFill>
+                  <a:schemeClr val="accent1"/>
+                </a:solidFill>
+                <a:latin typeface="Lato"/>
+                <a:ea typeface="Lato"/>
+                <a:cs typeface="Lato"/>
+                <a:sym typeface="Lato"/>
+              </a:defRPr>
+            </a:lvl9pPr>
+          </a:lstStyle>
+          <a:p>
+            <a:pPr marL="0" indent="0">
+              <a:buFont typeface="Lato"/>
+              <a:buNone/>
+            </a:pPr>
+            <a:r>
+              <a:rPr lang="en-US" sz="1400" u="sng" dirty="0">
+                <a:solidFill>
+                  <a:schemeClr val="dk2"/>
+                </a:solidFill>
+                <a:latin typeface="Arial"/>
+                <a:ea typeface="Arial"/>
+                <a:cs typeface="Arial"/>
+                <a:sym typeface="Arial"/>
+              </a:rPr>
+              <a:t>Checks for Overfitting with Training Data:</a:t>
+            </a:r>
+            <a:r>
+              <a:rPr lang="en-US" sz="1400" dirty="0">
+                <a:solidFill>
+                  <a:schemeClr val="dk2"/>
+                </a:solidFill>
+                <a:latin typeface="Arial"/>
+                <a:ea typeface="Arial"/>
+                <a:cs typeface="Arial"/>
+                <a:sym typeface="Arial"/>
+              </a:rPr>
+              <a:t> Overfitting is </a:t>
+            </a:r>
+            <a:r>
+              <a:rPr lang="en-US" sz="1400" dirty="0">
+                <a:solidFill>
+                  <a:schemeClr val="dk2"/>
+                </a:solidFill>
+                <a:highlight>
+                  <a:srgbClr val="FFFF00"/>
+                </a:highlight>
+                <a:latin typeface="Arial"/>
+                <a:ea typeface="Arial"/>
+                <a:cs typeface="Arial"/>
+                <a:sym typeface="Arial"/>
+              </a:rPr>
+              <a:t>not present</a:t>
+            </a:r>
+            <a:endParaRPr lang="en-US" sz="1400" u="sng" dirty="0">
+              <a:solidFill>
+                <a:schemeClr val="dk2"/>
+              </a:solidFill>
+              <a:highlight>
+                <a:srgbClr val="FFFF00"/>
+              </a:highlight>
+              <a:latin typeface="Arial"/>
+              <a:ea typeface="Arial"/>
+              <a:cs typeface="Arial"/>
+              <a:sym typeface="Arial"/>
+            </a:endParaRPr>
+          </a:p>
+        </p:txBody>
+      </p:sp>
       <p:pic>
         <p:nvPicPr>
-          <p:cNvPr id="7170" name="Picture 2">
+          <p:cNvPr id="6146" name="Picture 2">
             <a:extLst>
               <a:ext uri="{FF2B5EF4-FFF2-40B4-BE49-F238E27FC236}">
-                <a16:creationId xmlns:a16="http://schemas.microsoft.com/office/drawing/2014/main" id="{F46074AB-7FE7-F705-F542-7C8847345F21}"/>
+                <a16:creationId xmlns:a16="http://schemas.microsoft.com/office/drawing/2014/main" id="{95E9B83E-1B2B-8CCF-E3A8-F2FFC504715C}"/>
               </a:ext>
             </a:extLst>
           </p:cNvPr>
@@ -13104,7 +13980,7 @@
         </p:blipFill>
         <p:spPr bwMode="auto">
           <a:xfrm>
-            <a:off x="-1" y="1813152"/>
+            <a:off x="58998" y="1819193"/>
             <a:ext cx="4313151" cy="3136219"/>
           </a:xfrm>
           <a:prstGeom prst="rect">
@@ -13124,10 +14000,10 @@
       </p:pic>
       <p:pic>
         <p:nvPicPr>
-          <p:cNvPr id="7172" name="Picture 4">
+          <p:cNvPr id="6148" name="Picture 4">
             <a:extLst>
               <a:ext uri="{FF2B5EF4-FFF2-40B4-BE49-F238E27FC236}">
-                <a16:creationId xmlns:a16="http://schemas.microsoft.com/office/drawing/2014/main" id="{939D33AC-6CBB-0AA4-66A8-65E0D0B71445}"/>
+                <a16:creationId xmlns:a16="http://schemas.microsoft.com/office/drawing/2014/main" id="{4A767630-2B63-67DE-0AC4-C26DD5292875}"/>
               </a:ext>
             </a:extLst>
           </p:cNvPr>
@@ -13151,8 +14027,8 @@
         </p:blipFill>
         <p:spPr bwMode="auto">
           <a:xfrm>
-            <a:off x="4403744" y="1813152"/>
-            <a:ext cx="4134558" cy="3230562"/>
+            <a:off x="4771853" y="1819194"/>
+            <a:ext cx="4047562" cy="3162586"/>
           </a:xfrm>
           <a:prstGeom prst="rect">
             <a:avLst/>
@@ -13169,343 +14045,6 @@
           </a:extLst>
         </p:spPr>
       </p:pic>
-      <p:sp>
-        <p:nvSpPr>
-          <p:cNvPr id="2" name="Google Shape;101;p2">
-            <a:extLst>
-              <a:ext uri="{FF2B5EF4-FFF2-40B4-BE49-F238E27FC236}">
-                <a16:creationId xmlns:a16="http://schemas.microsoft.com/office/drawing/2014/main" id="{8ADE58F7-2CA8-F81E-6221-658A6FF2CA1F}"/>
-              </a:ext>
-            </a:extLst>
-          </p:cNvPr>
-          <p:cNvSpPr txBox="1">
-            <a:spLocks/>
-          </p:cNvSpPr>
-          <p:nvPr/>
-        </p:nvSpPr>
-        <p:spPr>
-          <a:xfrm>
-            <a:off x="2539053" y="1425850"/>
-            <a:ext cx="4337836" cy="426906"/>
-          </a:xfrm>
-          <a:prstGeom prst="rect">
-            <a:avLst/>
-          </a:prstGeom>
-          <a:noFill/>
-          <a:ln>
-            <a:noFill/>
-          </a:ln>
-        </p:spPr>
-        <p:txBody>
-          <a:bodyPr spcFirstLastPara="1" wrap="square" lIns="91425" tIns="91425" rIns="91425" bIns="91425" anchor="t" anchorCtr="0">
-            <a:normAutofit lnSpcReduction="10000"/>
-          </a:bodyPr>
-          <a:lstStyle>
-            <a:defPPr marR="0" lvl="0" algn="l" rtl="0">
-              <a:lnSpc>
-                <a:spcPct val="100000"/>
-              </a:lnSpc>
-              <a:spcBef>
-                <a:spcPts val="0"/>
-              </a:spcBef>
-              <a:spcAft>
-                <a:spcPts val="0"/>
-              </a:spcAft>
-            </a:defPPr>
-            <a:lvl1pPr marL="457200" marR="0" lvl="0" indent="-311150" algn="l" rtl="0">
-              <a:lnSpc>
-                <a:spcPct val="115000"/>
-              </a:lnSpc>
-              <a:spcBef>
-                <a:spcPts val="0"/>
-              </a:spcBef>
-              <a:spcAft>
-                <a:spcPts val="0"/>
-              </a:spcAft>
-              <a:buClr>
-                <a:schemeClr val="accent1"/>
-              </a:buClr>
-              <a:buSzPts val="1300"/>
-              <a:buFont typeface="Lato"/>
-              <a:buChar char="●"/>
-              <a:defRPr sz="1300" b="0" i="0" u="none" strike="noStrike" cap="none">
-                <a:solidFill>
-                  <a:schemeClr val="accent1"/>
-                </a:solidFill>
-                <a:latin typeface="Lato"/>
-                <a:ea typeface="Lato"/>
-                <a:cs typeface="Lato"/>
-                <a:sym typeface="Lato"/>
-              </a:defRPr>
-            </a:lvl1pPr>
-            <a:lvl2pPr marL="914400" marR="0" lvl="1" indent="-298450" algn="l" rtl="0">
-              <a:lnSpc>
-                <a:spcPct val="115000"/>
-              </a:lnSpc>
-              <a:spcBef>
-                <a:spcPts val="0"/>
-              </a:spcBef>
-              <a:spcAft>
-                <a:spcPts val="0"/>
-              </a:spcAft>
-              <a:buClr>
-                <a:schemeClr val="accent1"/>
-              </a:buClr>
-              <a:buSzPts val="1100"/>
-              <a:buFont typeface="Lato"/>
-              <a:buChar char="○"/>
-              <a:defRPr sz="1100" b="0" i="0" u="none" strike="noStrike" cap="none">
-                <a:solidFill>
-                  <a:schemeClr val="accent1"/>
-                </a:solidFill>
-                <a:latin typeface="Lato"/>
-                <a:ea typeface="Lato"/>
-                <a:cs typeface="Lato"/>
-                <a:sym typeface="Lato"/>
-              </a:defRPr>
-            </a:lvl2pPr>
-            <a:lvl3pPr marL="1371600" marR="0" lvl="2" indent="-298450" algn="l" rtl="0">
-              <a:lnSpc>
-                <a:spcPct val="115000"/>
-              </a:lnSpc>
-              <a:spcBef>
-                <a:spcPts val="0"/>
-              </a:spcBef>
-              <a:spcAft>
-                <a:spcPts val="0"/>
-              </a:spcAft>
-              <a:buClr>
-                <a:schemeClr val="accent1"/>
-              </a:buClr>
-              <a:buSzPts val="1100"/>
-              <a:buFont typeface="Lato"/>
-              <a:buChar char="■"/>
-              <a:defRPr sz="1100" b="0" i="0" u="none" strike="noStrike" cap="none">
-                <a:solidFill>
-                  <a:schemeClr val="accent1"/>
-                </a:solidFill>
-                <a:latin typeface="Lato"/>
-                <a:ea typeface="Lato"/>
-                <a:cs typeface="Lato"/>
-                <a:sym typeface="Lato"/>
-              </a:defRPr>
-            </a:lvl3pPr>
-            <a:lvl4pPr marL="1828800" marR="0" lvl="3" indent="-298450" algn="l" rtl="0">
-              <a:lnSpc>
-                <a:spcPct val="115000"/>
-              </a:lnSpc>
-              <a:spcBef>
-                <a:spcPts val="0"/>
-              </a:spcBef>
-              <a:spcAft>
-                <a:spcPts val="0"/>
-              </a:spcAft>
-              <a:buClr>
-                <a:schemeClr val="accent1"/>
-              </a:buClr>
-              <a:buSzPts val="1100"/>
-              <a:buFont typeface="Lato"/>
-              <a:buChar char="●"/>
-              <a:defRPr sz="1100" b="0" i="0" u="none" strike="noStrike" cap="none">
-                <a:solidFill>
-                  <a:schemeClr val="accent1"/>
-                </a:solidFill>
-                <a:latin typeface="Lato"/>
-                <a:ea typeface="Lato"/>
-                <a:cs typeface="Lato"/>
-                <a:sym typeface="Lato"/>
-              </a:defRPr>
-            </a:lvl4pPr>
-            <a:lvl5pPr marL="2286000" marR="0" lvl="4" indent="-298450" algn="l" rtl="0">
-              <a:lnSpc>
-                <a:spcPct val="115000"/>
-              </a:lnSpc>
-              <a:spcBef>
-                <a:spcPts val="0"/>
-              </a:spcBef>
-              <a:spcAft>
-                <a:spcPts val="0"/>
-              </a:spcAft>
-              <a:buClr>
-                <a:schemeClr val="accent1"/>
-              </a:buClr>
-              <a:buSzPts val="1100"/>
-              <a:buFont typeface="Lato"/>
-              <a:buChar char="○"/>
-              <a:defRPr sz="1100" b="0" i="0" u="none" strike="noStrike" cap="none">
-                <a:solidFill>
-                  <a:schemeClr val="accent1"/>
-                </a:solidFill>
-                <a:latin typeface="Lato"/>
-                <a:ea typeface="Lato"/>
-                <a:cs typeface="Lato"/>
-                <a:sym typeface="Lato"/>
-              </a:defRPr>
-            </a:lvl5pPr>
-            <a:lvl6pPr marL="2743200" marR="0" lvl="5" indent="-298450" algn="l" rtl="0">
-              <a:lnSpc>
-                <a:spcPct val="115000"/>
-              </a:lnSpc>
-              <a:spcBef>
-                <a:spcPts val="0"/>
-              </a:spcBef>
-              <a:spcAft>
-                <a:spcPts val="0"/>
-              </a:spcAft>
-              <a:buClr>
-                <a:schemeClr val="accent1"/>
-              </a:buClr>
-              <a:buSzPts val="1100"/>
-              <a:buFont typeface="Lato"/>
-              <a:buChar char="■"/>
-              <a:defRPr sz="1100" b="0" i="0" u="none" strike="noStrike" cap="none">
-                <a:solidFill>
-                  <a:schemeClr val="accent1"/>
-                </a:solidFill>
-                <a:latin typeface="Lato"/>
-                <a:ea typeface="Lato"/>
-                <a:cs typeface="Lato"/>
-                <a:sym typeface="Lato"/>
-              </a:defRPr>
-            </a:lvl6pPr>
-            <a:lvl7pPr marL="3200400" marR="0" lvl="6" indent="-298450" algn="l" rtl="0">
-              <a:lnSpc>
-                <a:spcPct val="115000"/>
-              </a:lnSpc>
-              <a:spcBef>
-                <a:spcPts val="0"/>
-              </a:spcBef>
-              <a:spcAft>
-                <a:spcPts val="0"/>
-              </a:spcAft>
-              <a:buClr>
-                <a:schemeClr val="accent1"/>
-              </a:buClr>
-              <a:buSzPts val="1100"/>
-              <a:buFont typeface="Lato"/>
-              <a:buChar char="●"/>
-              <a:defRPr sz="1100" b="0" i="0" u="none" strike="noStrike" cap="none">
-                <a:solidFill>
-                  <a:schemeClr val="accent1"/>
-                </a:solidFill>
-                <a:latin typeface="Lato"/>
-                <a:ea typeface="Lato"/>
-                <a:cs typeface="Lato"/>
-                <a:sym typeface="Lato"/>
-              </a:defRPr>
-            </a:lvl7pPr>
-            <a:lvl8pPr marL="3657600" marR="0" lvl="7" indent="-298450" algn="l" rtl="0">
-              <a:lnSpc>
-                <a:spcPct val="115000"/>
-              </a:lnSpc>
-              <a:spcBef>
-                <a:spcPts val="0"/>
-              </a:spcBef>
-              <a:spcAft>
-                <a:spcPts val="0"/>
-              </a:spcAft>
-              <a:buClr>
-                <a:schemeClr val="accent1"/>
-              </a:buClr>
-              <a:buSzPts val="1100"/>
-              <a:buFont typeface="Lato"/>
-              <a:buChar char="○"/>
-              <a:defRPr sz="1100" b="0" i="0" u="none" strike="noStrike" cap="none">
-                <a:solidFill>
-                  <a:schemeClr val="accent1"/>
-                </a:solidFill>
-                <a:latin typeface="Lato"/>
-                <a:ea typeface="Lato"/>
-                <a:cs typeface="Lato"/>
-                <a:sym typeface="Lato"/>
-              </a:defRPr>
-            </a:lvl8pPr>
-            <a:lvl9pPr marL="4114800" marR="0" lvl="8" indent="-298450" algn="l" rtl="0">
-              <a:lnSpc>
-                <a:spcPct val="115000"/>
-              </a:lnSpc>
-              <a:spcBef>
-                <a:spcPts val="0"/>
-              </a:spcBef>
-              <a:spcAft>
-                <a:spcPts val="0"/>
-              </a:spcAft>
-              <a:buClr>
-                <a:schemeClr val="accent1"/>
-              </a:buClr>
-              <a:buSzPts val="1100"/>
-              <a:buFont typeface="Lato"/>
-              <a:buChar char="■"/>
-              <a:defRPr sz="1100" b="0" i="0" u="none" strike="noStrike" cap="none">
-                <a:solidFill>
-                  <a:schemeClr val="accent1"/>
-                </a:solidFill>
-                <a:latin typeface="Lato"/>
-                <a:ea typeface="Lato"/>
-                <a:cs typeface="Lato"/>
-                <a:sym typeface="Lato"/>
-              </a:defRPr>
-            </a:lvl9pPr>
-          </a:lstStyle>
-          <a:p>
-            <a:pPr marL="0" indent="0">
-              <a:buFont typeface="Lato"/>
-              <a:buNone/>
-            </a:pPr>
-            <a:r>
-              <a:rPr lang="en-US" sz="1400" u="sng" dirty="0">
-                <a:solidFill>
-                  <a:schemeClr val="dk2"/>
-                </a:solidFill>
-                <a:latin typeface="Arial"/>
-                <a:ea typeface="Arial"/>
-                <a:cs typeface="Arial"/>
-                <a:sym typeface="Arial"/>
-              </a:rPr>
-              <a:t>Checks for Overfitting:</a:t>
-            </a:r>
-            <a:r>
-              <a:rPr lang="en-US" sz="1400" dirty="0">
-                <a:solidFill>
-                  <a:schemeClr val="dk2"/>
-                </a:solidFill>
-                <a:latin typeface="Arial"/>
-                <a:ea typeface="Arial"/>
-                <a:cs typeface="Arial"/>
-                <a:sym typeface="Arial"/>
-              </a:rPr>
-              <a:t> Overfitting is </a:t>
-            </a:r>
-            <a:r>
-              <a:rPr lang="en-US" sz="1400" dirty="0">
-                <a:solidFill>
-                  <a:schemeClr val="dk2"/>
-                </a:solidFill>
-                <a:highlight>
-                  <a:srgbClr val="FFFF00"/>
-                </a:highlight>
-                <a:latin typeface="Arial"/>
-                <a:ea typeface="Arial"/>
-                <a:cs typeface="Arial"/>
-                <a:sym typeface="Arial"/>
-              </a:rPr>
-              <a:t>present</a:t>
-            </a:r>
-            <a:endParaRPr lang="en-US" sz="1400" u="sng" dirty="0">
-              <a:solidFill>
-                <a:schemeClr val="dk2"/>
-              </a:solidFill>
-              <a:highlight>
-                <a:srgbClr val="FFFF00"/>
-              </a:highlight>
-              <a:latin typeface="Arial"/>
-              <a:ea typeface="Arial"/>
-              <a:cs typeface="Arial"/>
-              <a:sym typeface="Arial"/>
-            </a:endParaRPr>
-          </a:p>
-        </p:txBody>
-      </p:sp>
     </p:spTree>
     <p:extLst>
       <p:ext uri="{BB962C8B-B14F-4D97-AF65-F5344CB8AC3E}">
@@ -13933,42 +14472,325 @@
           </a:p>
         </p:txBody>
       </p:sp>
-      <p:pic>
-        <p:nvPicPr>
-          <p:cNvPr id="10" name="Picture 9">
+      <p:sp>
+        <p:nvSpPr>
+          <p:cNvPr id="2" name="Google Shape;101;p2">
             <a:extLst>
               <a:ext uri="{FF2B5EF4-FFF2-40B4-BE49-F238E27FC236}">
-                <a16:creationId xmlns:a16="http://schemas.microsoft.com/office/drawing/2014/main" id="{5EB2FCBD-5178-5B1F-6120-5FBFAFF64A12}"/>
+                <a16:creationId xmlns:a16="http://schemas.microsoft.com/office/drawing/2014/main" id="{01E69C53-C5B5-F2D7-382F-8A5FF84E5DE3}"/>
               </a:ext>
             </a:extLst>
           </p:cNvPr>
-          <p:cNvPicPr>
-            <a:picLocks noChangeAspect="1"/>
-          </p:cNvPicPr>
+          <p:cNvSpPr txBox="1">
+            <a:spLocks/>
+          </p:cNvSpPr>
           <p:nvPr/>
-        </p:nvPicPr>
-        <p:blipFill>
-          <a:blip r:embed="rId3"/>
-          <a:stretch>
-            <a:fillRect/>
-          </a:stretch>
-        </p:blipFill>
+        </p:nvSpPr>
         <p:spPr>
           <a:xfrm>
-            <a:off x="75859" y="1574799"/>
-            <a:ext cx="4468079" cy="2786743"/>
+            <a:off x="268514" y="4380776"/>
+            <a:ext cx="8163486" cy="762673"/>
           </a:xfrm>
           <a:prstGeom prst="rect">
             <a:avLst/>
           </a:prstGeom>
+          <a:noFill/>
+          <a:ln>
+            <a:noFill/>
+          </a:ln>
         </p:spPr>
-      </p:pic>
+        <p:txBody>
+          <a:bodyPr spcFirstLastPara="1" wrap="square" lIns="91425" tIns="91425" rIns="91425" bIns="91425" anchor="t" anchorCtr="0">
+            <a:normAutofit lnSpcReduction="10000"/>
+          </a:bodyPr>
+          <a:lstStyle>
+            <a:defPPr marR="0" lvl="0" algn="l" rtl="0">
+              <a:lnSpc>
+                <a:spcPct val="100000"/>
+              </a:lnSpc>
+              <a:spcBef>
+                <a:spcPts val="0"/>
+              </a:spcBef>
+              <a:spcAft>
+                <a:spcPts val="0"/>
+              </a:spcAft>
+            </a:defPPr>
+            <a:lvl1pPr marL="457200" marR="0" lvl="0" indent="-311150" algn="l" rtl="0">
+              <a:lnSpc>
+                <a:spcPct val="115000"/>
+              </a:lnSpc>
+              <a:spcBef>
+                <a:spcPts val="0"/>
+              </a:spcBef>
+              <a:spcAft>
+                <a:spcPts val="0"/>
+              </a:spcAft>
+              <a:buClr>
+                <a:schemeClr val="accent1"/>
+              </a:buClr>
+              <a:buSzPts val="1300"/>
+              <a:buFont typeface="Lato"/>
+              <a:buChar char="●"/>
+              <a:defRPr sz="1300" b="0" i="0" u="none" strike="noStrike" cap="none">
+                <a:solidFill>
+                  <a:schemeClr val="accent1"/>
+                </a:solidFill>
+                <a:latin typeface="Lato"/>
+                <a:ea typeface="Lato"/>
+                <a:cs typeface="Lato"/>
+                <a:sym typeface="Lato"/>
+              </a:defRPr>
+            </a:lvl1pPr>
+            <a:lvl2pPr marL="914400" marR="0" lvl="1" indent="-298450" algn="l" rtl="0">
+              <a:lnSpc>
+                <a:spcPct val="115000"/>
+              </a:lnSpc>
+              <a:spcBef>
+                <a:spcPts val="0"/>
+              </a:spcBef>
+              <a:spcAft>
+                <a:spcPts val="0"/>
+              </a:spcAft>
+              <a:buClr>
+                <a:schemeClr val="accent1"/>
+              </a:buClr>
+              <a:buSzPts val="1100"/>
+              <a:buFont typeface="Lato"/>
+              <a:buChar char="○"/>
+              <a:defRPr sz="1100" b="0" i="0" u="none" strike="noStrike" cap="none">
+                <a:solidFill>
+                  <a:schemeClr val="accent1"/>
+                </a:solidFill>
+                <a:latin typeface="Lato"/>
+                <a:ea typeface="Lato"/>
+                <a:cs typeface="Lato"/>
+                <a:sym typeface="Lato"/>
+              </a:defRPr>
+            </a:lvl2pPr>
+            <a:lvl3pPr marL="1371600" marR="0" lvl="2" indent="-298450" algn="l" rtl="0">
+              <a:lnSpc>
+                <a:spcPct val="115000"/>
+              </a:lnSpc>
+              <a:spcBef>
+                <a:spcPts val="0"/>
+              </a:spcBef>
+              <a:spcAft>
+                <a:spcPts val="0"/>
+              </a:spcAft>
+              <a:buClr>
+                <a:schemeClr val="accent1"/>
+              </a:buClr>
+              <a:buSzPts val="1100"/>
+              <a:buFont typeface="Lato"/>
+              <a:buChar char="■"/>
+              <a:defRPr sz="1100" b="0" i="0" u="none" strike="noStrike" cap="none">
+                <a:solidFill>
+                  <a:schemeClr val="accent1"/>
+                </a:solidFill>
+                <a:latin typeface="Lato"/>
+                <a:ea typeface="Lato"/>
+                <a:cs typeface="Lato"/>
+                <a:sym typeface="Lato"/>
+              </a:defRPr>
+            </a:lvl3pPr>
+            <a:lvl4pPr marL="1828800" marR="0" lvl="3" indent="-298450" algn="l" rtl="0">
+              <a:lnSpc>
+                <a:spcPct val="115000"/>
+              </a:lnSpc>
+              <a:spcBef>
+                <a:spcPts val="0"/>
+              </a:spcBef>
+              <a:spcAft>
+                <a:spcPts val="0"/>
+              </a:spcAft>
+              <a:buClr>
+                <a:schemeClr val="accent1"/>
+              </a:buClr>
+              <a:buSzPts val="1100"/>
+              <a:buFont typeface="Lato"/>
+              <a:buChar char="●"/>
+              <a:defRPr sz="1100" b="0" i="0" u="none" strike="noStrike" cap="none">
+                <a:solidFill>
+                  <a:schemeClr val="accent1"/>
+                </a:solidFill>
+                <a:latin typeface="Lato"/>
+                <a:ea typeface="Lato"/>
+                <a:cs typeface="Lato"/>
+                <a:sym typeface="Lato"/>
+              </a:defRPr>
+            </a:lvl4pPr>
+            <a:lvl5pPr marL="2286000" marR="0" lvl="4" indent="-298450" algn="l" rtl="0">
+              <a:lnSpc>
+                <a:spcPct val="115000"/>
+              </a:lnSpc>
+              <a:spcBef>
+                <a:spcPts val="0"/>
+              </a:spcBef>
+              <a:spcAft>
+                <a:spcPts val="0"/>
+              </a:spcAft>
+              <a:buClr>
+                <a:schemeClr val="accent1"/>
+              </a:buClr>
+              <a:buSzPts val="1100"/>
+              <a:buFont typeface="Lato"/>
+              <a:buChar char="○"/>
+              <a:defRPr sz="1100" b="0" i="0" u="none" strike="noStrike" cap="none">
+                <a:solidFill>
+                  <a:schemeClr val="accent1"/>
+                </a:solidFill>
+                <a:latin typeface="Lato"/>
+                <a:ea typeface="Lato"/>
+                <a:cs typeface="Lato"/>
+                <a:sym typeface="Lato"/>
+              </a:defRPr>
+            </a:lvl5pPr>
+            <a:lvl6pPr marL="2743200" marR="0" lvl="5" indent="-298450" algn="l" rtl="0">
+              <a:lnSpc>
+                <a:spcPct val="115000"/>
+              </a:lnSpc>
+              <a:spcBef>
+                <a:spcPts val="0"/>
+              </a:spcBef>
+              <a:spcAft>
+                <a:spcPts val="0"/>
+              </a:spcAft>
+              <a:buClr>
+                <a:schemeClr val="accent1"/>
+              </a:buClr>
+              <a:buSzPts val="1100"/>
+              <a:buFont typeface="Lato"/>
+              <a:buChar char="■"/>
+              <a:defRPr sz="1100" b="0" i="0" u="none" strike="noStrike" cap="none">
+                <a:solidFill>
+                  <a:schemeClr val="accent1"/>
+                </a:solidFill>
+                <a:latin typeface="Lato"/>
+                <a:ea typeface="Lato"/>
+                <a:cs typeface="Lato"/>
+                <a:sym typeface="Lato"/>
+              </a:defRPr>
+            </a:lvl6pPr>
+            <a:lvl7pPr marL="3200400" marR="0" lvl="6" indent="-298450" algn="l" rtl="0">
+              <a:lnSpc>
+                <a:spcPct val="115000"/>
+              </a:lnSpc>
+              <a:spcBef>
+                <a:spcPts val="0"/>
+              </a:spcBef>
+              <a:spcAft>
+                <a:spcPts val="0"/>
+              </a:spcAft>
+              <a:buClr>
+                <a:schemeClr val="accent1"/>
+              </a:buClr>
+              <a:buSzPts val="1100"/>
+              <a:buFont typeface="Lato"/>
+              <a:buChar char="●"/>
+              <a:defRPr sz="1100" b="0" i="0" u="none" strike="noStrike" cap="none">
+                <a:solidFill>
+                  <a:schemeClr val="accent1"/>
+                </a:solidFill>
+                <a:latin typeface="Lato"/>
+                <a:ea typeface="Lato"/>
+                <a:cs typeface="Lato"/>
+                <a:sym typeface="Lato"/>
+              </a:defRPr>
+            </a:lvl7pPr>
+            <a:lvl8pPr marL="3657600" marR="0" lvl="7" indent="-298450" algn="l" rtl="0">
+              <a:lnSpc>
+                <a:spcPct val="115000"/>
+              </a:lnSpc>
+              <a:spcBef>
+                <a:spcPts val="0"/>
+              </a:spcBef>
+              <a:spcAft>
+                <a:spcPts val="0"/>
+              </a:spcAft>
+              <a:buClr>
+                <a:schemeClr val="accent1"/>
+              </a:buClr>
+              <a:buSzPts val="1100"/>
+              <a:buFont typeface="Lato"/>
+              <a:buChar char="○"/>
+              <a:defRPr sz="1100" b="0" i="0" u="none" strike="noStrike" cap="none">
+                <a:solidFill>
+                  <a:schemeClr val="accent1"/>
+                </a:solidFill>
+                <a:latin typeface="Lato"/>
+                <a:ea typeface="Lato"/>
+                <a:cs typeface="Lato"/>
+                <a:sym typeface="Lato"/>
+              </a:defRPr>
+            </a:lvl8pPr>
+            <a:lvl9pPr marL="4114800" marR="0" lvl="8" indent="-298450" algn="l" rtl="0">
+              <a:lnSpc>
+                <a:spcPct val="115000"/>
+              </a:lnSpc>
+              <a:spcBef>
+                <a:spcPts val="0"/>
+              </a:spcBef>
+              <a:spcAft>
+                <a:spcPts val="0"/>
+              </a:spcAft>
+              <a:buClr>
+                <a:schemeClr val="accent1"/>
+              </a:buClr>
+              <a:buSzPts val="1100"/>
+              <a:buFont typeface="Lato"/>
+              <a:buChar char="■"/>
+              <a:defRPr sz="1100" b="0" i="0" u="none" strike="noStrike" cap="none">
+                <a:solidFill>
+                  <a:schemeClr val="accent1"/>
+                </a:solidFill>
+                <a:latin typeface="Lato"/>
+                <a:ea typeface="Lato"/>
+                <a:cs typeface="Lato"/>
+                <a:sym typeface="Lato"/>
+              </a:defRPr>
+            </a:lvl9pPr>
+          </a:lstStyle>
+          <a:p>
+            <a:pPr marL="0" indent="0">
+              <a:buFont typeface="Lato"/>
+              <a:buNone/>
+            </a:pPr>
+            <a:r>
+              <a:rPr lang="en-US" sz="1200" dirty="0">
+                <a:solidFill>
+                  <a:schemeClr val="dk2"/>
+                </a:solidFill>
+                <a:latin typeface="Arial"/>
+                <a:ea typeface="Arial"/>
+                <a:cs typeface="Arial"/>
+                <a:sym typeface="Arial"/>
+              </a:rPr>
+              <a:t>This model’s Classification report and Confusion matrix for the test data has a high precision and recall for classifying image categories 2, 4 and 6. We observe a lower test accuracy and higher loss for this model (relative to VGG16) meaning this model made huge errors on a lot more of the data compared to VGG16.</a:t>
+            </a:r>
+          </a:p>
+          <a:p>
+            <a:pPr marL="0" indent="0">
+              <a:buFont typeface="Lato"/>
+              <a:buNone/>
+            </a:pPr>
+            <a:endParaRPr lang="en-US" sz="1200" dirty="0">
+              <a:solidFill>
+                <a:schemeClr val="dk2"/>
+              </a:solidFill>
+              <a:latin typeface="Arial"/>
+              <a:ea typeface="Arial"/>
+              <a:cs typeface="Arial"/>
+              <a:sym typeface="Arial"/>
+            </a:endParaRPr>
+          </a:p>
+        </p:txBody>
+      </p:sp>
       <p:pic>
         <p:nvPicPr>
-          <p:cNvPr id="6146" name="Picture 2">
+          <p:cNvPr id="7170" name="Picture 2">
             <a:extLst>
               <a:ext uri="{FF2B5EF4-FFF2-40B4-BE49-F238E27FC236}">
-                <a16:creationId xmlns:a16="http://schemas.microsoft.com/office/drawing/2014/main" id="{09FBC3CE-87C2-BD2A-0497-1E69111811BB}"/>
+                <a16:creationId xmlns:a16="http://schemas.microsoft.com/office/drawing/2014/main" id="{E7FD68F8-D692-35B9-E285-E8E854497361}"/>
               </a:ext>
             </a:extLst>
           </p:cNvPr>
@@ -13978,7 +14800,7 @@
           <p:nvPr/>
         </p:nvPicPr>
         <p:blipFill>
-          <a:blip r:embed="rId4">
+          <a:blip r:embed="rId3">
             <a:extLst>
               <a:ext uri="{28A0092B-C50C-407E-A947-70E740481C1C}">
                 <a14:useLocalDpi xmlns:a14="http://schemas.microsoft.com/office/drawing/2010/main" val="0"/>
@@ -13992,8 +14814,8 @@
         </p:blipFill>
         <p:spPr bwMode="auto">
           <a:xfrm>
-            <a:off x="4736646" y="1147894"/>
-            <a:ext cx="3961027" cy="3995557"/>
+            <a:off x="4907182" y="864640"/>
+            <a:ext cx="3524818" cy="3516136"/>
           </a:xfrm>
           <a:prstGeom prst="rect">
             <a:avLst/>
@@ -14012,10 +14834,40 @@
       </p:pic>
       <p:pic>
         <p:nvPicPr>
-          <p:cNvPr id="12" name="Picture 11">
+          <p:cNvPr id="4" name="Picture 3">
             <a:extLst>
               <a:ext uri="{FF2B5EF4-FFF2-40B4-BE49-F238E27FC236}">
-                <a16:creationId xmlns:a16="http://schemas.microsoft.com/office/drawing/2014/main" id="{DCC82D3A-B388-8895-F32D-C8B82421728D}"/>
+                <a16:creationId xmlns:a16="http://schemas.microsoft.com/office/drawing/2014/main" id="{E64A2E48-10F2-3A5B-371E-1BBBB528BEF1}"/>
+              </a:ext>
+            </a:extLst>
+          </p:cNvPr>
+          <p:cNvPicPr>
+            <a:picLocks noChangeAspect="1"/>
+          </p:cNvPicPr>
+          <p:nvPr/>
+        </p:nvPicPr>
+        <p:blipFill>
+          <a:blip r:embed="rId4"/>
+          <a:stretch>
+            <a:fillRect/>
+          </a:stretch>
+        </p:blipFill>
+        <p:spPr>
+          <a:xfrm>
+            <a:off x="333661" y="4092884"/>
+            <a:ext cx="4000953" cy="340126"/>
+          </a:xfrm>
+          <a:prstGeom prst="rect">
+            <a:avLst/>
+          </a:prstGeom>
+        </p:spPr>
+      </p:pic>
+      <p:pic>
+        <p:nvPicPr>
+          <p:cNvPr id="6" name="Picture 5">
+            <a:extLst>
+              <a:ext uri="{FF2B5EF4-FFF2-40B4-BE49-F238E27FC236}">
+                <a16:creationId xmlns:a16="http://schemas.microsoft.com/office/drawing/2014/main" id="{A49236CF-EF52-0E86-A384-552435281028}"/>
               </a:ext>
             </a:extLst>
           </p:cNvPr>
@@ -14032,8 +14884,8 @@
         </p:blipFill>
         <p:spPr>
           <a:xfrm>
-            <a:off x="75859" y="4457411"/>
-            <a:ext cx="4198598" cy="374039"/>
+            <a:off x="334964" y="1506280"/>
+            <a:ext cx="4562347" cy="2489325"/>
           </a:xfrm>
           <a:prstGeom prst="rect">
             <a:avLst/>
@@ -14467,106 +15319,12 @@
           </a:p>
         </p:txBody>
       </p:sp>
-      <p:pic>
-        <p:nvPicPr>
-          <p:cNvPr id="5122" name="Picture 2">
+      <p:sp>
+        <p:nvSpPr>
+          <p:cNvPr id="3" name="Google Shape;101;p2">
             <a:extLst>
               <a:ext uri="{FF2B5EF4-FFF2-40B4-BE49-F238E27FC236}">
-                <a16:creationId xmlns:a16="http://schemas.microsoft.com/office/drawing/2014/main" id="{E0D05027-E47C-8BB5-C6F3-8E851505819D}"/>
-              </a:ext>
-            </a:extLst>
-          </p:cNvPr>
-          <p:cNvPicPr>
-            <a:picLocks noChangeAspect="1" noChangeArrowheads="1"/>
-          </p:cNvPicPr>
-          <p:nvPr/>
-        </p:nvPicPr>
-        <p:blipFill>
-          <a:blip r:embed="rId3">
-            <a:extLst>
-              <a:ext uri="{28A0092B-C50C-407E-A947-70E740481C1C}">
-                <a14:useLocalDpi xmlns:a14="http://schemas.microsoft.com/office/drawing/2010/main" val="0"/>
-              </a:ext>
-            </a:extLst>
-          </a:blip>
-          <a:srcRect/>
-          <a:stretch>
-            <a:fillRect/>
-          </a:stretch>
-        </p:blipFill>
-        <p:spPr bwMode="auto">
-          <a:xfrm>
-            <a:off x="58997" y="1863042"/>
-            <a:ext cx="4404145" cy="3202383"/>
-          </a:xfrm>
-          <a:prstGeom prst="rect">
-            <a:avLst/>
-          </a:prstGeom>
-          <a:noFill/>
-          <a:extLst>
-            <a:ext uri="{909E8E84-426E-40DD-AFC4-6F175D3DCCD1}">
-              <a14:hiddenFill xmlns:a14="http://schemas.microsoft.com/office/drawing/2010/main">
-                <a:solidFill>
-                  <a:srgbClr val="FFFFFF"/>
-                </a:solidFill>
-              </a14:hiddenFill>
-            </a:ext>
-          </a:extLst>
-        </p:spPr>
-      </p:pic>
-      <p:pic>
-        <p:nvPicPr>
-          <p:cNvPr id="5126" name="Picture 6">
-            <a:extLst>
-              <a:ext uri="{FF2B5EF4-FFF2-40B4-BE49-F238E27FC236}">
-                <a16:creationId xmlns:a16="http://schemas.microsoft.com/office/drawing/2014/main" id="{0ECE0160-C461-14F5-83AE-1FEB0F137999}"/>
-              </a:ext>
-            </a:extLst>
-          </p:cNvPr>
-          <p:cNvPicPr>
-            <a:picLocks noChangeAspect="1" noChangeArrowheads="1"/>
-          </p:cNvPicPr>
-          <p:nvPr/>
-        </p:nvPicPr>
-        <p:blipFill>
-          <a:blip r:embed="rId4">
-            <a:extLst>
-              <a:ext uri="{28A0092B-C50C-407E-A947-70E740481C1C}">
-                <a14:useLocalDpi xmlns:a14="http://schemas.microsoft.com/office/drawing/2010/main" val="0"/>
-              </a:ext>
-            </a:extLst>
-          </a:blip>
-          <a:srcRect/>
-          <a:stretch>
-            <a:fillRect/>
-          </a:stretch>
-        </p:blipFill>
-        <p:spPr bwMode="auto">
-          <a:xfrm>
-            <a:off x="4463142" y="1880455"/>
-            <a:ext cx="4073160" cy="3182588"/>
-          </a:xfrm>
-          <a:prstGeom prst="rect">
-            <a:avLst/>
-          </a:prstGeom>
-          <a:noFill/>
-          <a:extLst>
-            <a:ext uri="{909E8E84-426E-40DD-AFC4-6F175D3DCCD1}">
-              <a14:hiddenFill xmlns:a14="http://schemas.microsoft.com/office/drawing/2010/main">
-                <a:solidFill>
-                  <a:srgbClr val="FFFFFF"/>
-                </a:solidFill>
-              </a14:hiddenFill>
-            </a:ext>
-          </a:extLst>
-        </p:spPr>
-      </p:pic>
-      <p:sp>
-        <p:nvSpPr>
-          <p:cNvPr id="2" name="Google Shape;101;p2">
-            <a:extLst>
-              <a:ext uri="{FF2B5EF4-FFF2-40B4-BE49-F238E27FC236}">
-                <a16:creationId xmlns:a16="http://schemas.microsoft.com/office/drawing/2014/main" id="{63B7444F-ABCC-E416-10EE-99C3E253570F}"/>
+                <a16:creationId xmlns:a16="http://schemas.microsoft.com/office/drawing/2014/main" id="{C465B727-771C-250C-C02E-1634FDEA1E8A}"/>
               </a:ext>
             </a:extLst>
           </p:cNvPr>
@@ -14577,8 +15335,8 @@
         </p:nvSpPr>
         <p:spPr>
           <a:xfrm>
-            <a:off x="2539053" y="1425850"/>
-            <a:ext cx="4337836" cy="426906"/>
+            <a:off x="2120534" y="1451167"/>
+            <a:ext cx="5233916" cy="426906"/>
           </a:xfrm>
           <a:prstGeom prst="rect">
             <a:avLst/>
@@ -14590,7 +15348,7 @@
         </p:spPr>
         <p:txBody>
           <a:bodyPr spcFirstLastPara="1" wrap="square" lIns="91425" tIns="91425" rIns="91425" bIns="91425" anchor="t" anchorCtr="0">
-            <a:normAutofit lnSpcReduction="10000"/>
+            <a:normAutofit fontScale="92500"/>
           </a:bodyPr>
           <a:lstStyle>
             <a:defPPr marR="0" lvl="0" algn="l" rtl="0">
@@ -14854,7 +15612,7 @@
                 <a:cs typeface="Arial"/>
                 <a:sym typeface="Arial"/>
               </a:rPr>
-              <a:t>Checks for Overfitting:</a:t>
+              <a:t>Checks for Overfitting with Training Data:</a:t>
             </a:r>
             <a:r>
               <a:rPr lang="en-US" sz="1400" dirty="0">
@@ -14898,6 +15656,100 @@
           </a:p>
         </p:txBody>
       </p:sp>
+      <p:pic>
+        <p:nvPicPr>
+          <p:cNvPr id="8194" name="Picture 2">
+            <a:extLst>
+              <a:ext uri="{FF2B5EF4-FFF2-40B4-BE49-F238E27FC236}">
+                <a16:creationId xmlns:a16="http://schemas.microsoft.com/office/drawing/2014/main" id="{46C2B239-E345-5A43-48FA-03F1D7B1AA88}"/>
+              </a:ext>
+            </a:extLst>
+          </p:cNvPr>
+          <p:cNvPicPr>
+            <a:picLocks noChangeAspect="1" noChangeArrowheads="1"/>
+          </p:cNvPicPr>
+          <p:nvPr/>
+        </p:nvPicPr>
+        <p:blipFill>
+          <a:blip r:embed="rId3">
+            <a:extLst>
+              <a:ext uri="{28A0092B-C50C-407E-A947-70E740481C1C}">
+                <a14:useLocalDpi xmlns:a14="http://schemas.microsoft.com/office/drawing/2010/main" val="0"/>
+              </a:ext>
+            </a:extLst>
+          </a:blip>
+          <a:srcRect/>
+          <a:stretch>
+            <a:fillRect/>
+          </a:stretch>
+        </p:blipFill>
+        <p:spPr bwMode="auto">
+          <a:xfrm>
+            <a:off x="58997" y="1860660"/>
+            <a:ext cx="4404145" cy="3202383"/>
+          </a:xfrm>
+          <a:prstGeom prst="rect">
+            <a:avLst/>
+          </a:prstGeom>
+          <a:noFill/>
+          <a:extLst>
+            <a:ext uri="{909E8E84-426E-40DD-AFC4-6F175D3DCCD1}">
+              <a14:hiddenFill xmlns:a14="http://schemas.microsoft.com/office/drawing/2010/main">
+                <a:solidFill>
+                  <a:srgbClr val="FFFFFF"/>
+                </a:solidFill>
+              </a14:hiddenFill>
+            </a:ext>
+          </a:extLst>
+        </p:spPr>
+      </p:pic>
+      <p:pic>
+        <p:nvPicPr>
+          <p:cNvPr id="8196" name="Picture 4">
+            <a:extLst>
+              <a:ext uri="{FF2B5EF4-FFF2-40B4-BE49-F238E27FC236}">
+                <a16:creationId xmlns:a16="http://schemas.microsoft.com/office/drawing/2014/main" id="{2C1A15A1-1FD4-7A66-F28B-52775882925C}"/>
+              </a:ext>
+            </a:extLst>
+          </p:cNvPr>
+          <p:cNvPicPr>
+            <a:picLocks noChangeAspect="1" noChangeArrowheads="1"/>
+          </p:cNvPicPr>
+          <p:nvPr/>
+        </p:nvPicPr>
+        <p:blipFill>
+          <a:blip r:embed="rId4">
+            <a:extLst>
+              <a:ext uri="{28A0092B-C50C-407E-A947-70E740481C1C}">
+                <a14:useLocalDpi xmlns:a14="http://schemas.microsoft.com/office/drawing/2010/main" val="0"/>
+              </a:ext>
+            </a:extLst>
+          </a:blip>
+          <a:srcRect/>
+          <a:stretch>
+            <a:fillRect/>
+          </a:stretch>
+        </p:blipFill>
+        <p:spPr bwMode="auto">
+          <a:xfrm>
+            <a:off x="4712157" y="1860660"/>
+            <a:ext cx="4098495" cy="3202383"/>
+          </a:xfrm>
+          <a:prstGeom prst="rect">
+            <a:avLst/>
+          </a:prstGeom>
+          <a:noFill/>
+          <a:extLst>
+            <a:ext uri="{909E8E84-426E-40DD-AFC4-6F175D3DCCD1}">
+              <a14:hiddenFill xmlns:a14="http://schemas.microsoft.com/office/drawing/2010/main">
+                <a:solidFill>
+                  <a:srgbClr val="FFFFFF"/>
+                </a:solidFill>
+              </a14:hiddenFill>
+            </a:ext>
+          </a:extLst>
+        </p:spPr>
+      </p:pic>
     </p:spTree>
     <p:extLst>
       <p:ext uri="{BB962C8B-B14F-4D97-AF65-F5344CB8AC3E}">
@@ -14989,8 +15841,8 @@
         </p:nvSpPr>
         <p:spPr>
           <a:xfrm>
-            <a:off x="729450" y="1255975"/>
-            <a:ext cx="7686900" cy="3887476"/>
+            <a:off x="290285" y="1255975"/>
+            <a:ext cx="8570685" cy="3887476"/>
           </a:xfrm>
           <a:prstGeom prst="rect">
             <a:avLst/>
@@ -15002,7 +15854,7 @@
         </p:spPr>
         <p:txBody>
           <a:bodyPr spcFirstLastPara="1" wrap="square" lIns="91425" tIns="91425" rIns="91425" bIns="91425" anchor="t" anchorCtr="0">
-            <a:normAutofit fontScale="85000" lnSpcReduction="10000"/>
+            <a:normAutofit fontScale="92500" lnSpcReduction="20000"/>
           </a:bodyPr>
           <a:lstStyle/>
           <a:p>
@@ -15011,7 +15863,7 @@
                 <a:spcPct val="115000"/>
               </a:lnSpc>
               <a:spcBef>
-                <a:spcPts val="600"/>
+                <a:spcPts val="300"/>
               </a:spcBef>
               <a:spcAft>
                 <a:spcPts val="0"/>
@@ -15047,7 +15899,7 @@
                 <a:spcPct val="115000"/>
               </a:lnSpc>
               <a:spcBef>
-                <a:spcPts val="600"/>
+                <a:spcPts val="300"/>
               </a:spcBef>
               <a:spcAft>
                 <a:spcPts val="0"/>
@@ -15093,13 +15945,13 @@
                 <a:cs typeface="Arial"/>
                 <a:sym typeface="Arial"/>
               </a:rPr>
-              <a:t> Model had the best results:                                      Test loss: 0.75 (lowest) and Test accuracy: 0.73 (highest)</a:t>
+              <a:t> Model had the best results:                                          Test loss: 0.7906 (lowest) and Test accuracy: 0.7243 (highest)</a:t>
             </a:r>
           </a:p>
           <a:p>
             <a:pPr>
               <a:spcBef>
-                <a:spcPts val="600"/>
+                <a:spcPts val="300"/>
               </a:spcBef>
               <a:buClr>
                 <a:schemeClr val="dk2"/>
@@ -15141,13 +15993,13 @@
                 <a:cs typeface="Arial"/>
                 <a:sym typeface="Arial"/>
               </a:rPr>
-              <a:t> Model had the best results too:                                                 Precision: 0.73 (highest) and Recall: 0.73 (highest)</a:t>
+              <a:t> Model had the best results too:                                                             Test Precision: 0.72 (highest) and Test Recall: 0.72 (highest)</a:t>
             </a:r>
           </a:p>
           <a:p>
             <a:pPr>
               <a:spcBef>
-                <a:spcPts val="600"/>
+                <a:spcPts val="300"/>
               </a:spcBef>
               <a:buClr>
                 <a:schemeClr val="dk2"/>
@@ -15171,7 +16023,7 @@
                 <a:spcPct val="115000"/>
               </a:lnSpc>
               <a:spcBef>
-                <a:spcPts val="600"/>
+                <a:spcPts val="300"/>
               </a:spcBef>
               <a:spcAft>
                 <a:spcPts val="0"/>
@@ -15199,7 +16051,7 @@
                 <a:spcPct val="115000"/>
               </a:lnSpc>
               <a:spcBef>
-                <a:spcPts val="600"/>
+                <a:spcPts val="300"/>
               </a:spcBef>
               <a:spcAft>
                 <a:spcPts val="0"/>
@@ -15227,7 +16079,7 @@
                 <a:spcPct val="115000"/>
               </a:lnSpc>
               <a:spcBef>
-                <a:spcPts val="600"/>
+                <a:spcPts val="300"/>
               </a:spcBef>
               <a:spcAft>
                 <a:spcPts val="0"/>
@@ -15255,7 +16107,7 @@
                 <a:spcPct val="115000"/>
               </a:lnSpc>
               <a:spcBef>
-                <a:spcPts val="600"/>
+                <a:spcPts val="300"/>
               </a:spcBef>
               <a:spcAft>
                 <a:spcPts val="0"/>
@@ -15283,7 +16135,7 @@
                 <a:spcPct val="115000"/>
               </a:lnSpc>
               <a:spcBef>
-                <a:spcPts val="600"/>
+                <a:spcPts val="300"/>
               </a:spcBef>
               <a:spcAft>
                 <a:spcPts val="0"/>
@@ -15305,7 +16157,7 @@
                 <a:cs typeface="Arial"/>
                 <a:sym typeface="Arial"/>
               </a:rPr>
-              <a:t>However, when checking for overfitting using the accuracy / validation loss vs iterations plots both the </a:t>
+              <a:t>However, when checking for overfitting using the Accuracy / Validation Loss vs iterations plots (slides 11, 13, 15) the </a:t>
             </a:r>
             <a:r>
               <a:rPr lang="en-US" b="1" dirty="0">
@@ -15329,7 +16181,31 @@
                 <a:cs typeface="Arial"/>
                 <a:sym typeface="Arial"/>
               </a:rPr>
-              <a:t> and </a:t>
+              <a:t> model exhibit overfitting. The </a:t>
+            </a:r>
+            <a:r>
+              <a:rPr lang="en-US" b="1" dirty="0">
+                <a:solidFill>
+                  <a:schemeClr val="dk2"/>
+                </a:solidFill>
+                <a:latin typeface="Arial"/>
+                <a:ea typeface="Arial"/>
+                <a:cs typeface="Arial"/>
+                <a:sym typeface="Arial"/>
+              </a:rPr>
+              <a:t>base CNN model </a:t>
+            </a:r>
+            <a:r>
+              <a:rPr lang="en-US" dirty="0">
+                <a:solidFill>
+                  <a:schemeClr val="dk2"/>
+                </a:solidFill>
+                <a:latin typeface="Arial"/>
+                <a:ea typeface="Arial"/>
+                <a:cs typeface="Arial"/>
+                <a:sym typeface="Arial"/>
+              </a:rPr>
+              <a:t>shows little to no overfitting while the </a:t>
             </a:r>
             <a:r>
               <a:rPr lang="en-US" b="1" dirty="0">
@@ -15353,31 +16229,7 @@
                 <a:cs typeface="Arial"/>
                 <a:sym typeface="Arial"/>
               </a:rPr>
-              <a:t> models exhibit overfitting. The </a:t>
-            </a:r>
-            <a:r>
-              <a:rPr lang="en-US" b="1" dirty="0">
-                <a:solidFill>
-                  <a:schemeClr val="dk2"/>
-                </a:solidFill>
-                <a:latin typeface="Arial"/>
-                <a:ea typeface="Arial"/>
-                <a:cs typeface="Arial"/>
-                <a:sym typeface="Arial"/>
-              </a:rPr>
-              <a:t>base CNN model </a:t>
-            </a:r>
-            <a:r>
-              <a:rPr lang="en-US" dirty="0">
-                <a:solidFill>
-                  <a:schemeClr val="dk2"/>
-                </a:solidFill>
-                <a:latin typeface="Arial"/>
-                <a:ea typeface="Arial"/>
-                <a:cs typeface="Arial"/>
-                <a:sym typeface="Arial"/>
-              </a:rPr>
-              <a:t>shows little to no overfitting while the </a:t>
+              <a:t>, </a:t>
             </a:r>
             <a:r>
               <a:rPr lang="en-US" b="1" dirty="0">
@@ -15401,7 +16253,7 @@
                 <a:cs typeface="Arial"/>
                 <a:sym typeface="Arial"/>
               </a:rPr>
-              <a:t> model looks good too.</a:t>
+              <a:t> models look good too.</a:t>
             </a:r>
           </a:p>
           <a:p>
@@ -15410,7 +16262,7 @@
                 <a:spcPct val="115000"/>
               </a:lnSpc>
               <a:spcBef>
-                <a:spcPts val="600"/>
+                <a:spcPts val="300"/>
               </a:spcBef>
               <a:spcAft>
                 <a:spcPts val="0"/>
@@ -15434,6 +16286,89 @@
               </a:rPr>
               <a:t>Overfitting can be identified in the Accuracy vs. Iterations Plot if the training accuracy continues to increase while the validation accuracy plateaus or starts to decrease. Overfitting is detected in the Validation Loss vs. Iterations Plot if the training loss decreases over iterations, but the validation loss starts to increase or remains high.</a:t>
             </a:r>
+          </a:p>
+          <a:p>
+            <a:pPr marL="457200" lvl="0" indent="-311150" algn="l" rtl="0">
+              <a:lnSpc>
+                <a:spcPct val="115000"/>
+              </a:lnSpc>
+              <a:spcBef>
+                <a:spcPts val="300"/>
+              </a:spcBef>
+              <a:spcAft>
+                <a:spcPts val="0"/>
+              </a:spcAft>
+              <a:buClr>
+                <a:schemeClr val="dk2"/>
+              </a:buClr>
+              <a:buSzPts val="1300"/>
+              <a:buFont typeface="Arial"/>
+              <a:buChar char="-"/>
+            </a:pPr>
+            <a:r>
+              <a:rPr lang="en-US" dirty="0">
+                <a:solidFill>
+                  <a:schemeClr val="dk2"/>
+                </a:solidFill>
+                <a:latin typeface="Arial"/>
+                <a:ea typeface="Arial"/>
+                <a:cs typeface="Arial"/>
+                <a:sym typeface="Arial"/>
+              </a:rPr>
+              <a:t>Similarly, looking at Accuracy/Loss and Precision/Recall we see Train metrics are much lower than Test for </a:t>
+            </a:r>
+            <a:r>
+              <a:rPr lang="en-US" b="1" dirty="0">
+                <a:solidFill>
+                  <a:schemeClr val="dk2"/>
+                </a:solidFill>
+                <a:latin typeface="Arial"/>
+                <a:ea typeface="Arial"/>
+                <a:cs typeface="Arial"/>
+                <a:sym typeface="Arial"/>
+              </a:rPr>
+              <a:t>LeNet5</a:t>
+            </a:r>
+            <a:r>
+              <a:rPr lang="en-US" dirty="0">
+                <a:solidFill>
+                  <a:schemeClr val="dk2"/>
+                </a:solidFill>
+                <a:latin typeface="Arial"/>
+                <a:ea typeface="Arial"/>
+                <a:cs typeface="Arial"/>
+                <a:sym typeface="Arial"/>
+              </a:rPr>
+              <a:t>, which suggests that the model is overfitting. The other models are comparatively lower.</a:t>
+            </a:r>
+          </a:p>
+          <a:p>
+            <a:pPr marL="457200" lvl="0" indent="-311150" algn="l" rtl="0">
+              <a:lnSpc>
+                <a:spcPct val="115000"/>
+              </a:lnSpc>
+              <a:spcBef>
+                <a:spcPts val="600"/>
+              </a:spcBef>
+              <a:spcAft>
+                <a:spcPts val="0"/>
+              </a:spcAft>
+              <a:buClr>
+                <a:schemeClr val="dk2"/>
+              </a:buClr>
+              <a:buSzPts val="1300"/>
+              <a:buFont typeface="Arial"/>
+              <a:buChar char="-"/>
+            </a:pPr>
+            <a:endParaRPr lang="en-US" dirty="0">
+              <a:solidFill>
+                <a:schemeClr val="dk2"/>
+              </a:solidFill>
+              <a:latin typeface="Arial"/>
+              <a:ea typeface="Arial"/>
+              <a:cs typeface="Arial"/>
+              <a:sym typeface="Arial"/>
+            </a:endParaRPr>
           </a:p>
         </p:txBody>
       </p:sp>
@@ -15483,32 +16418,31 @@
               <a:rPr lang="en-US"/>
               <a:t>16</a:t>
             </a:fld>
-            <a:endParaRPr/>
+            <a:endParaRPr dirty="0"/>
           </a:p>
         </p:txBody>
       </p:sp>
       <p:pic>
         <p:nvPicPr>
-          <p:cNvPr id="6" name="Picture 5">
+          <p:cNvPr id="2" name="Picture 1">
             <a:extLst>
               <a:ext uri="{FF2B5EF4-FFF2-40B4-BE49-F238E27FC236}">
-                <a16:creationId xmlns:a16="http://schemas.microsoft.com/office/drawing/2014/main" id="{24426FFE-AA02-BC58-CA9E-DB377EDD39BA}"/>
+                <a16:creationId xmlns:a16="http://schemas.microsoft.com/office/drawing/2014/main" id="{07C80406-E0C4-6933-104E-E90B69AA3AFF}"/>
               </a:ext>
             </a:extLst>
           </p:cNvPr>
           <p:cNvPicPr>
             <a:picLocks noChangeAspect="1" noChangeArrowheads="1"/>
+            <a:extLst>
+              <a:ext uri="{84589F7E-364E-4C9E-8A38-B11213B215E9}">
+                <a14:cameraTool xmlns:a14="http://schemas.microsoft.com/office/drawing/2010/main" cellRange="$D$3:$H$7"/>
+              </a:ext>
+            </a:extLst>
           </p:cNvPicPr>
           <p:nvPr/>
         </p:nvPicPr>
         <p:blipFill>
-          <a:blip r:embed="rId3">
-            <a:extLst>
-              <a:ext uri="{28A0092B-C50C-407E-A947-70E740481C1C}">
-                <a14:useLocalDpi xmlns:a14="http://schemas.microsoft.com/office/drawing/2010/main" val="0"/>
-              </a:ext>
-            </a:extLst>
-          </a:blip>
+          <a:blip r:embed="rId3"/>
           <a:srcRect/>
           <a:stretch>
             <a:fillRect/>
@@ -15516,8 +16450,8 @@
         </p:blipFill>
         <p:spPr bwMode="auto">
           <a:xfrm>
-            <a:off x="953407" y="2571750"/>
-            <a:ext cx="2929083" cy="1090520"/>
+            <a:off x="77434" y="2334280"/>
+            <a:ext cx="4181829" cy="1090520"/>
           </a:xfrm>
           <a:prstGeom prst="rect">
             <a:avLst/>
@@ -15536,26 +16470,25 @@
       </p:pic>
       <p:pic>
         <p:nvPicPr>
-          <p:cNvPr id="7" name="Picture 6">
+          <p:cNvPr id="3" name="Picture 2">
             <a:extLst>
               <a:ext uri="{FF2B5EF4-FFF2-40B4-BE49-F238E27FC236}">
-                <a16:creationId xmlns:a16="http://schemas.microsoft.com/office/drawing/2014/main" id="{2F137A65-8207-4BD2-14D7-1DD0136F99E6}"/>
+                <a16:creationId xmlns:a16="http://schemas.microsoft.com/office/drawing/2014/main" id="{FAB7CF90-AF42-8BBC-B033-FF742FD3789E}"/>
               </a:ext>
             </a:extLst>
           </p:cNvPr>
           <p:cNvPicPr>
             <a:picLocks noChangeAspect="1" noChangeArrowheads="1"/>
+            <a:extLst>
+              <a:ext uri="{84589F7E-364E-4C9E-8A38-B11213B215E9}">
+                <a14:cameraTool xmlns:a14="http://schemas.microsoft.com/office/drawing/2010/main" cellRange="$K$3:$O$7"/>
+              </a:ext>
+            </a:extLst>
           </p:cNvPicPr>
           <p:nvPr/>
         </p:nvPicPr>
         <p:blipFill>
-          <a:blip r:embed="rId4">
-            <a:extLst>
-              <a:ext uri="{28A0092B-C50C-407E-A947-70E740481C1C}">
-                <a14:useLocalDpi xmlns:a14="http://schemas.microsoft.com/office/drawing/2010/main" val="0"/>
-              </a:ext>
-            </a:extLst>
-          </a:blip>
+          <a:blip r:embed="rId4"/>
           <a:srcRect/>
           <a:stretch>
             <a:fillRect/>
@@ -15563,8 +16496,8 @@
         </p:blipFill>
         <p:spPr bwMode="auto">
           <a:xfrm>
-            <a:off x="4458607" y="2571750"/>
-            <a:ext cx="3686138" cy="1090520"/>
+            <a:off x="4389462" y="2334281"/>
+            <a:ext cx="4695540" cy="1090519"/>
           </a:xfrm>
           <a:prstGeom prst="rect">
             <a:avLst/>
@@ -15672,8 +16605,8 @@
         </p:nvSpPr>
         <p:spPr>
           <a:xfrm>
-            <a:off x="729450" y="1255975"/>
-            <a:ext cx="7688700" cy="3729682"/>
+            <a:off x="729450" y="1255974"/>
+            <a:ext cx="7688700" cy="3809511"/>
           </a:xfrm>
           <a:prstGeom prst="rect">
             <a:avLst/>
@@ -15764,7 +16697,7 @@
                 <a:cs typeface="Arial"/>
                 <a:sym typeface="Arial"/>
               </a:rPr>
-              <a:t>baseline CNN model</a:t>
+              <a:t>VGG-16 </a:t>
             </a:r>
             <a:r>
               <a:rPr lang="en-US" dirty="0">
@@ -15776,7 +16709,7 @@
                 <a:cs typeface="Arial"/>
                 <a:sym typeface="Arial"/>
               </a:rPr>
-              <a:t> (slide 8) would be a better choice. </a:t>
+              <a:t>(slide 12) would be a better choice. </a:t>
             </a:r>
           </a:p>
           <a:p>
@@ -15807,7 +16740,31 @@
                 <a:cs typeface="Arial"/>
                 <a:sym typeface="Arial"/>
               </a:rPr>
-              <a:t>Despite having worse performance metrics in terms of test loss, test accuracy, precision, and recall, the fact that it does not exhibit overfitting suggests that it may be more robust and less prone to making incorrect predictions on new, unseen data.</a:t>
+              <a:t>Despite having the 2</a:t>
+            </a:r>
+            <a:r>
+              <a:rPr lang="en-US" baseline="30000" dirty="0">
+                <a:solidFill>
+                  <a:schemeClr val="dk2"/>
+                </a:solidFill>
+                <a:latin typeface="Arial"/>
+                <a:ea typeface="Arial"/>
+                <a:cs typeface="Arial"/>
+                <a:sym typeface="Arial"/>
+              </a:rPr>
+              <a:t>nd</a:t>
+            </a:r>
+            <a:r>
+              <a:rPr lang="en-US" dirty="0">
+                <a:solidFill>
+                  <a:schemeClr val="dk2"/>
+                </a:solidFill>
+                <a:latin typeface="Arial"/>
+                <a:ea typeface="Arial"/>
+                <a:cs typeface="Arial"/>
+                <a:sym typeface="Arial"/>
+              </a:rPr>
+              <a:t> best performance metrics in terms of test loss, test accuracy, precision, and recall, the fact that it does not exhibit overfitting suggests that it may be more robust and less prone to making incorrect predictions on new, unseen data.</a:t>
             </a:r>
           </a:p>
           <a:p>
@@ -15838,7 +16795,31 @@
                 <a:cs typeface="Arial"/>
                 <a:sym typeface="Arial"/>
               </a:rPr>
-              <a:t>The baseline CNN model did well with predicting in terms of its ability to correctly classify images (slide 8). Not surprising classes 0 - 4 were the most accurate since they had the most data and struggled to classify classes 5, 6 and 9 since they were some of the classes with the least testing and training samples (the imbalance mentioned in slide 6).</a:t>
+              <a:t>The </a:t>
+            </a:r>
+            <a:r>
+              <a:rPr lang="en-US" b="1" dirty="0">
+                <a:solidFill>
+                  <a:schemeClr val="dk2"/>
+                </a:solidFill>
+                <a:latin typeface="Arial"/>
+                <a:ea typeface="Arial"/>
+                <a:cs typeface="Arial"/>
+                <a:sym typeface="Arial"/>
+              </a:rPr>
+              <a:t>VGG-16</a:t>
+            </a:r>
+            <a:r>
+              <a:rPr lang="en-US" dirty="0">
+                <a:solidFill>
+                  <a:schemeClr val="dk2"/>
+                </a:solidFill>
+                <a:latin typeface="Arial"/>
+                <a:ea typeface="Arial"/>
+                <a:cs typeface="Arial"/>
+                <a:sym typeface="Arial"/>
+              </a:rPr>
+              <a:t> model did well with predicting in terms of its ability to correctly classify images (slide 12). Not surprising classes 1, 2, 4, 6 and 9 were the most accurate since they had the most data and struggled to classify classes 3 and 5 since they were some of the classes with the least testing and training samples (the imbalance mentioned in slide 6).</a:t>
             </a:r>
           </a:p>
           <a:p>
@@ -15927,7 +16908,7 @@
                 <a:cs typeface="Arial"/>
                 <a:sym typeface="Arial"/>
               </a:rPr>
-              <a:t>Implement a random search that can optimize the Network architecture parameters for each model. Due to computational limitations, this methodology to optimize the parameters for every model was omitted.</a:t>
+              <a:t>Implement a random search that can optimize the Network architecture parameters for each model. Due to computational limitations and long execution times, this methodology to optimize the parameters for every model was omitted.</a:t>
             </a:r>
             <a:endParaRPr dirty="0">
               <a:solidFill>
@@ -16814,77 +17795,6 @@
           </a:p>
         </p:txBody>
       </p:sp>
-      <p:sp>
-        <p:nvSpPr>
-          <p:cNvPr id="4" name="Google Shape;107;p2">
-            <a:extLst>
-              <a:ext uri="{FF2B5EF4-FFF2-40B4-BE49-F238E27FC236}">
-                <a16:creationId xmlns:a16="http://schemas.microsoft.com/office/drawing/2014/main" id="{7EEACAE1-70F0-7D2D-2E23-8554C7CBA8C7}"/>
-              </a:ext>
-            </a:extLst>
-          </p:cNvPr>
-          <p:cNvSpPr/>
-          <p:nvPr/>
-        </p:nvSpPr>
-        <p:spPr>
-          <a:xfrm>
-            <a:off x="8271363" y="150975"/>
-            <a:ext cx="608455" cy="231946"/>
-          </a:xfrm>
-          <a:prstGeom prst="chevron">
-            <a:avLst>
-              <a:gd name="adj" fmla="val 50000"/>
-            </a:avLst>
-          </a:prstGeom>
-          <a:solidFill>
-            <a:srgbClr val="D8D8D8"/>
-          </a:solidFill>
-          <a:ln>
-            <a:noFill/>
-          </a:ln>
-        </p:spPr>
-        <p:txBody>
-          <a:bodyPr spcFirstLastPara="1" wrap="square" lIns="0" tIns="45700" rIns="0" bIns="45700" anchor="ctr" anchorCtr="0">
-            <a:noAutofit/>
-          </a:bodyPr>
-          <a:lstStyle/>
-          <a:p>
-            <a:pPr marL="0" marR="0" lvl="0" indent="0" algn="ctr" rtl="0">
-              <a:lnSpc>
-                <a:spcPct val="100000"/>
-              </a:lnSpc>
-              <a:spcBef>
-                <a:spcPts val="0"/>
-              </a:spcBef>
-              <a:spcAft>
-                <a:spcPts val="0"/>
-              </a:spcAft>
-              <a:buNone/>
-            </a:pPr>
-            <a:r>
-              <a:rPr lang="en-US" sz="700" b="0" i="0" u="none" strike="noStrike" cap="none" dirty="0">
-                <a:solidFill>
-                  <a:schemeClr val="lt1"/>
-                </a:solidFill>
-                <a:latin typeface="Arial"/>
-                <a:ea typeface="Arial"/>
-                <a:cs typeface="Arial"/>
-                <a:sym typeface="Arial"/>
-              </a:rPr>
-              <a:t>Expect Finding</a:t>
-            </a:r>
-            <a:endParaRPr sz="700" b="0" i="0" u="none" strike="noStrike" cap="none" dirty="0">
-              <a:solidFill>
-                <a:schemeClr val="lt1"/>
-              </a:solidFill>
-              <a:latin typeface="Arial"/>
-              <a:ea typeface="Arial"/>
-              <a:cs typeface="Arial"/>
-              <a:sym typeface="Arial"/>
-            </a:endParaRPr>
-          </a:p>
-        </p:txBody>
-      </p:sp>
     </p:spTree>
     <p:extLst>
       <p:ext uri="{BB962C8B-B14F-4D97-AF65-F5344CB8AC3E}">
@@ -17343,7 +18253,7 @@
         </p:spPr>
         <p:txBody>
           <a:bodyPr spcFirstLastPara="1" wrap="square" lIns="91425" tIns="91425" rIns="91425" bIns="91425" anchor="t" anchorCtr="0">
-            <a:normAutofit fontScale="92500"/>
+            <a:normAutofit fontScale="85000" lnSpcReduction="10000"/>
           </a:bodyPr>
           <a:lstStyle/>
           <a:p>
@@ -17677,6 +18587,107 @@
               </a:rPr>
               <a:t>models with transfer learning applied.</a:t>
             </a:r>
+          </a:p>
+          <a:p>
+            <a:pPr marL="146050" indent="0">
+              <a:spcBef>
+                <a:spcPts val="1200"/>
+              </a:spcBef>
+              <a:buClr>
+                <a:schemeClr val="dk2"/>
+              </a:buClr>
+              <a:buNone/>
+            </a:pPr>
+            <a:r>
+              <a:rPr lang="en-US" b="1" dirty="0">
+                <a:solidFill>
+                  <a:schemeClr val="dk2"/>
+                </a:solidFill>
+                <a:latin typeface="Arial"/>
+                <a:ea typeface="Arial"/>
+                <a:cs typeface="Arial"/>
+                <a:sym typeface="Arial"/>
+              </a:rPr>
+              <a:t>GitHub Link:</a:t>
+            </a:r>
+            <a:endParaRPr lang="en-US" dirty="0">
+              <a:solidFill>
+                <a:schemeClr val="dk2"/>
+              </a:solidFill>
+              <a:latin typeface="Arial"/>
+              <a:ea typeface="Arial"/>
+              <a:cs typeface="Arial"/>
+              <a:sym typeface="Arial"/>
+            </a:endParaRPr>
+          </a:p>
+          <a:p>
+            <a:pPr marL="457200" lvl="0" indent="-311150" algn="l" rtl="0">
+              <a:lnSpc>
+                <a:spcPct val="115000"/>
+              </a:lnSpc>
+              <a:spcBef>
+                <a:spcPts val="1200"/>
+              </a:spcBef>
+              <a:spcAft>
+                <a:spcPts val="0"/>
+              </a:spcAft>
+              <a:buClr>
+                <a:schemeClr val="dk2"/>
+              </a:buClr>
+              <a:buSzPts val="1300"/>
+              <a:buFont typeface="Arial"/>
+              <a:buChar char="-"/>
+            </a:pPr>
+            <a:r>
+              <a:rPr lang="en-US" dirty="0">
+                <a:solidFill>
+                  <a:schemeClr val="dk2"/>
+                </a:solidFill>
+                <a:latin typeface="Arial"/>
+                <a:ea typeface="Arial"/>
+                <a:cs typeface="Arial"/>
+                <a:sym typeface="Arial"/>
+                <a:hlinkClick r:id="rId3"/>
+              </a:rPr>
+              <a:t>https://github.com/vgade21/Machine-Learning-Predictive-Analytics-Project</a:t>
+            </a:r>
+            <a:endParaRPr lang="en-US" dirty="0">
+              <a:solidFill>
+                <a:schemeClr val="dk2"/>
+              </a:solidFill>
+              <a:latin typeface="Arial"/>
+              <a:ea typeface="Arial"/>
+              <a:cs typeface="Arial"/>
+              <a:sym typeface="Arial"/>
+            </a:endParaRPr>
+          </a:p>
+          <a:p>
+            <a:pPr marL="457200" lvl="0" indent="-311150" algn="l" rtl="0">
+              <a:lnSpc>
+                <a:spcPct val="115000"/>
+              </a:lnSpc>
+              <a:spcBef>
+                <a:spcPts val="1200"/>
+              </a:spcBef>
+              <a:spcAft>
+                <a:spcPts val="0"/>
+              </a:spcAft>
+              <a:buClr>
+                <a:schemeClr val="dk2"/>
+              </a:buClr>
+              <a:buSzPts val="1300"/>
+              <a:buFont typeface="Arial"/>
+              <a:buChar char="-"/>
+            </a:pPr>
+            <a:endParaRPr lang="en-US" dirty="0">
+              <a:solidFill>
+                <a:schemeClr val="dk2"/>
+              </a:solidFill>
+              <a:latin typeface="Arial"/>
+              <a:ea typeface="Arial"/>
+              <a:cs typeface="Arial"/>
+              <a:sym typeface="Arial"/>
+            </a:endParaRPr>
           </a:p>
         </p:txBody>
       </p:sp>
@@ -19796,10 +20807,10 @@
       </p:sp>
       <p:pic>
         <p:nvPicPr>
-          <p:cNvPr id="1026" name="Picture 2">
+          <p:cNvPr id="2" name="Picture 2">
             <a:extLst>
               <a:ext uri="{FF2B5EF4-FFF2-40B4-BE49-F238E27FC236}">
-                <a16:creationId xmlns:a16="http://schemas.microsoft.com/office/drawing/2014/main" id="{59677477-52E6-1BE6-C226-C7DB95831953}"/>
+                <a16:creationId xmlns:a16="http://schemas.microsoft.com/office/drawing/2014/main" id="{9D5EEAE1-C60B-5188-9BF3-6F0FC5F0BDAC}"/>
               </a:ext>
             </a:extLst>
           </p:cNvPr>
@@ -19823,8 +20834,8 @@
         </p:blipFill>
         <p:spPr bwMode="auto">
           <a:xfrm>
-            <a:off x="4611091" y="1122211"/>
-            <a:ext cx="3988623" cy="4023393"/>
+            <a:off x="5080000" y="941379"/>
+            <a:ext cx="3409677" cy="3439399"/>
           </a:xfrm>
           <a:prstGeom prst="rect">
             <a:avLst/>
@@ -19843,10 +20854,10 @@
       </p:pic>
       <p:pic>
         <p:nvPicPr>
-          <p:cNvPr id="7" name="Picture 6">
+          <p:cNvPr id="4" name="Picture 3">
             <a:extLst>
               <a:ext uri="{FF2B5EF4-FFF2-40B4-BE49-F238E27FC236}">
-                <a16:creationId xmlns:a16="http://schemas.microsoft.com/office/drawing/2014/main" id="{8C78B84A-12E0-E7DA-4F74-5A009A2814C1}"/>
+                <a16:creationId xmlns:a16="http://schemas.microsoft.com/office/drawing/2014/main" id="{958D11C3-951D-6AF5-672E-791865D0663E}"/>
               </a:ext>
             </a:extLst>
           </p:cNvPr>
@@ -19863,8 +20874,8 @@
         </p:blipFill>
         <p:spPr>
           <a:xfrm>
-            <a:off x="280483" y="1574800"/>
-            <a:ext cx="4076515" cy="2780295"/>
+            <a:off x="800977" y="1574800"/>
+            <a:ext cx="3560566" cy="2454128"/>
           </a:xfrm>
           <a:prstGeom prst="rect">
             <a:avLst/>
@@ -19873,10 +20884,10 @@
       </p:pic>
       <p:pic>
         <p:nvPicPr>
-          <p:cNvPr id="9" name="Picture 8">
+          <p:cNvPr id="6" name="Picture 5">
             <a:extLst>
               <a:ext uri="{FF2B5EF4-FFF2-40B4-BE49-F238E27FC236}">
-                <a16:creationId xmlns:a16="http://schemas.microsoft.com/office/drawing/2014/main" id="{3D77BAA0-9475-E466-9E92-FA545ED11C61}"/>
+                <a16:creationId xmlns:a16="http://schemas.microsoft.com/office/drawing/2014/main" id="{EC07B21A-7BAF-F1D9-F7C8-C76C57393DD2}"/>
               </a:ext>
             </a:extLst>
           </p:cNvPr>
@@ -19893,14 +20904,312 @@
         </p:blipFill>
         <p:spPr>
           <a:xfrm>
-            <a:off x="280483" y="4522630"/>
-            <a:ext cx="3988623" cy="362602"/>
+            <a:off x="800977" y="4106432"/>
+            <a:ext cx="3771023" cy="307142"/>
           </a:xfrm>
           <a:prstGeom prst="rect">
             <a:avLst/>
           </a:prstGeom>
         </p:spPr>
       </p:pic>
+      <p:sp>
+        <p:nvSpPr>
+          <p:cNvPr id="8" name="Google Shape;101;p2">
+            <a:extLst>
+              <a:ext uri="{FF2B5EF4-FFF2-40B4-BE49-F238E27FC236}">
+                <a16:creationId xmlns:a16="http://schemas.microsoft.com/office/drawing/2014/main" id="{D58E63A2-C7D1-68BB-A1FE-BBC23C267B11}"/>
+              </a:ext>
+            </a:extLst>
+          </p:cNvPr>
+          <p:cNvSpPr txBox="1">
+            <a:spLocks/>
+          </p:cNvSpPr>
+          <p:nvPr/>
+        </p:nvSpPr>
+        <p:spPr>
+          <a:xfrm>
+            <a:off x="727650" y="4380777"/>
+            <a:ext cx="8097036" cy="762673"/>
+          </a:xfrm>
+          <a:prstGeom prst="rect">
+            <a:avLst/>
+          </a:prstGeom>
+          <a:noFill/>
+          <a:ln>
+            <a:noFill/>
+          </a:ln>
+        </p:spPr>
+        <p:txBody>
+          <a:bodyPr spcFirstLastPara="1" wrap="square" lIns="91425" tIns="91425" rIns="91425" bIns="91425" anchor="t" anchorCtr="0">
+            <a:normAutofit lnSpcReduction="10000"/>
+          </a:bodyPr>
+          <a:lstStyle>
+            <a:defPPr marR="0" lvl="0" algn="l" rtl="0">
+              <a:lnSpc>
+                <a:spcPct val="100000"/>
+              </a:lnSpc>
+              <a:spcBef>
+                <a:spcPts val="0"/>
+              </a:spcBef>
+              <a:spcAft>
+                <a:spcPts val="0"/>
+              </a:spcAft>
+            </a:defPPr>
+            <a:lvl1pPr marL="457200" marR="0" lvl="0" indent="-311150" algn="l" rtl="0">
+              <a:lnSpc>
+                <a:spcPct val="115000"/>
+              </a:lnSpc>
+              <a:spcBef>
+                <a:spcPts val="0"/>
+              </a:spcBef>
+              <a:spcAft>
+                <a:spcPts val="0"/>
+              </a:spcAft>
+              <a:buClr>
+                <a:schemeClr val="accent1"/>
+              </a:buClr>
+              <a:buSzPts val="1300"/>
+              <a:buFont typeface="Lato"/>
+              <a:buChar char="●"/>
+              <a:defRPr sz="1300" b="0" i="0" u="none" strike="noStrike" cap="none">
+                <a:solidFill>
+                  <a:schemeClr val="accent1"/>
+                </a:solidFill>
+                <a:latin typeface="Lato"/>
+                <a:ea typeface="Lato"/>
+                <a:cs typeface="Lato"/>
+                <a:sym typeface="Lato"/>
+              </a:defRPr>
+            </a:lvl1pPr>
+            <a:lvl2pPr marL="914400" marR="0" lvl="1" indent="-298450" algn="l" rtl="0">
+              <a:lnSpc>
+                <a:spcPct val="115000"/>
+              </a:lnSpc>
+              <a:spcBef>
+                <a:spcPts val="0"/>
+              </a:spcBef>
+              <a:spcAft>
+                <a:spcPts val="0"/>
+              </a:spcAft>
+              <a:buClr>
+                <a:schemeClr val="accent1"/>
+              </a:buClr>
+              <a:buSzPts val="1100"/>
+              <a:buFont typeface="Lato"/>
+              <a:buChar char="○"/>
+              <a:defRPr sz="1100" b="0" i="0" u="none" strike="noStrike" cap="none">
+                <a:solidFill>
+                  <a:schemeClr val="accent1"/>
+                </a:solidFill>
+                <a:latin typeface="Lato"/>
+                <a:ea typeface="Lato"/>
+                <a:cs typeface="Lato"/>
+                <a:sym typeface="Lato"/>
+              </a:defRPr>
+            </a:lvl2pPr>
+            <a:lvl3pPr marL="1371600" marR="0" lvl="2" indent="-298450" algn="l" rtl="0">
+              <a:lnSpc>
+                <a:spcPct val="115000"/>
+              </a:lnSpc>
+              <a:spcBef>
+                <a:spcPts val="0"/>
+              </a:spcBef>
+              <a:spcAft>
+                <a:spcPts val="0"/>
+              </a:spcAft>
+              <a:buClr>
+                <a:schemeClr val="accent1"/>
+              </a:buClr>
+              <a:buSzPts val="1100"/>
+              <a:buFont typeface="Lato"/>
+              <a:buChar char="■"/>
+              <a:defRPr sz="1100" b="0" i="0" u="none" strike="noStrike" cap="none">
+                <a:solidFill>
+                  <a:schemeClr val="accent1"/>
+                </a:solidFill>
+                <a:latin typeface="Lato"/>
+                <a:ea typeface="Lato"/>
+                <a:cs typeface="Lato"/>
+                <a:sym typeface="Lato"/>
+              </a:defRPr>
+            </a:lvl3pPr>
+            <a:lvl4pPr marL="1828800" marR="0" lvl="3" indent="-298450" algn="l" rtl="0">
+              <a:lnSpc>
+                <a:spcPct val="115000"/>
+              </a:lnSpc>
+              <a:spcBef>
+                <a:spcPts val="0"/>
+              </a:spcBef>
+              <a:spcAft>
+                <a:spcPts val="0"/>
+              </a:spcAft>
+              <a:buClr>
+                <a:schemeClr val="accent1"/>
+              </a:buClr>
+              <a:buSzPts val="1100"/>
+              <a:buFont typeface="Lato"/>
+              <a:buChar char="●"/>
+              <a:defRPr sz="1100" b="0" i="0" u="none" strike="noStrike" cap="none">
+                <a:solidFill>
+                  <a:schemeClr val="accent1"/>
+                </a:solidFill>
+                <a:latin typeface="Lato"/>
+                <a:ea typeface="Lato"/>
+                <a:cs typeface="Lato"/>
+                <a:sym typeface="Lato"/>
+              </a:defRPr>
+            </a:lvl4pPr>
+            <a:lvl5pPr marL="2286000" marR="0" lvl="4" indent="-298450" algn="l" rtl="0">
+              <a:lnSpc>
+                <a:spcPct val="115000"/>
+              </a:lnSpc>
+              <a:spcBef>
+                <a:spcPts val="0"/>
+              </a:spcBef>
+              <a:spcAft>
+                <a:spcPts val="0"/>
+              </a:spcAft>
+              <a:buClr>
+                <a:schemeClr val="accent1"/>
+              </a:buClr>
+              <a:buSzPts val="1100"/>
+              <a:buFont typeface="Lato"/>
+              <a:buChar char="○"/>
+              <a:defRPr sz="1100" b="0" i="0" u="none" strike="noStrike" cap="none">
+                <a:solidFill>
+                  <a:schemeClr val="accent1"/>
+                </a:solidFill>
+                <a:latin typeface="Lato"/>
+                <a:ea typeface="Lato"/>
+                <a:cs typeface="Lato"/>
+                <a:sym typeface="Lato"/>
+              </a:defRPr>
+            </a:lvl5pPr>
+            <a:lvl6pPr marL="2743200" marR="0" lvl="5" indent="-298450" algn="l" rtl="0">
+              <a:lnSpc>
+                <a:spcPct val="115000"/>
+              </a:lnSpc>
+              <a:spcBef>
+                <a:spcPts val="0"/>
+              </a:spcBef>
+              <a:spcAft>
+                <a:spcPts val="0"/>
+              </a:spcAft>
+              <a:buClr>
+                <a:schemeClr val="accent1"/>
+              </a:buClr>
+              <a:buSzPts val="1100"/>
+              <a:buFont typeface="Lato"/>
+              <a:buChar char="■"/>
+              <a:defRPr sz="1100" b="0" i="0" u="none" strike="noStrike" cap="none">
+                <a:solidFill>
+                  <a:schemeClr val="accent1"/>
+                </a:solidFill>
+                <a:latin typeface="Lato"/>
+                <a:ea typeface="Lato"/>
+                <a:cs typeface="Lato"/>
+                <a:sym typeface="Lato"/>
+              </a:defRPr>
+            </a:lvl6pPr>
+            <a:lvl7pPr marL="3200400" marR="0" lvl="6" indent="-298450" algn="l" rtl="0">
+              <a:lnSpc>
+                <a:spcPct val="115000"/>
+              </a:lnSpc>
+              <a:spcBef>
+                <a:spcPts val="0"/>
+              </a:spcBef>
+              <a:spcAft>
+                <a:spcPts val="0"/>
+              </a:spcAft>
+              <a:buClr>
+                <a:schemeClr val="accent1"/>
+              </a:buClr>
+              <a:buSzPts val="1100"/>
+              <a:buFont typeface="Lato"/>
+              <a:buChar char="●"/>
+              <a:defRPr sz="1100" b="0" i="0" u="none" strike="noStrike" cap="none">
+                <a:solidFill>
+                  <a:schemeClr val="accent1"/>
+                </a:solidFill>
+                <a:latin typeface="Lato"/>
+                <a:ea typeface="Lato"/>
+                <a:cs typeface="Lato"/>
+                <a:sym typeface="Lato"/>
+              </a:defRPr>
+            </a:lvl7pPr>
+            <a:lvl8pPr marL="3657600" marR="0" lvl="7" indent="-298450" algn="l" rtl="0">
+              <a:lnSpc>
+                <a:spcPct val="115000"/>
+              </a:lnSpc>
+              <a:spcBef>
+                <a:spcPts val="0"/>
+              </a:spcBef>
+              <a:spcAft>
+                <a:spcPts val="0"/>
+              </a:spcAft>
+              <a:buClr>
+                <a:schemeClr val="accent1"/>
+              </a:buClr>
+              <a:buSzPts val="1100"/>
+              <a:buFont typeface="Lato"/>
+              <a:buChar char="○"/>
+              <a:defRPr sz="1100" b="0" i="0" u="none" strike="noStrike" cap="none">
+                <a:solidFill>
+                  <a:schemeClr val="accent1"/>
+                </a:solidFill>
+                <a:latin typeface="Lato"/>
+                <a:ea typeface="Lato"/>
+                <a:cs typeface="Lato"/>
+                <a:sym typeface="Lato"/>
+              </a:defRPr>
+            </a:lvl8pPr>
+            <a:lvl9pPr marL="4114800" marR="0" lvl="8" indent="-298450" algn="l" rtl="0">
+              <a:lnSpc>
+                <a:spcPct val="115000"/>
+              </a:lnSpc>
+              <a:spcBef>
+                <a:spcPts val="0"/>
+              </a:spcBef>
+              <a:spcAft>
+                <a:spcPts val="0"/>
+              </a:spcAft>
+              <a:buClr>
+                <a:schemeClr val="accent1"/>
+              </a:buClr>
+              <a:buSzPts val="1100"/>
+              <a:buFont typeface="Lato"/>
+              <a:buChar char="■"/>
+              <a:defRPr sz="1100" b="0" i="0" u="none" strike="noStrike" cap="none">
+                <a:solidFill>
+                  <a:schemeClr val="accent1"/>
+                </a:solidFill>
+                <a:latin typeface="Lato"/>
+                <a:ea typeface="Lato"/>
+                <a:cs typeface="Lato"/>
+                <a:sym typeface="Lato"/>
+              </a:defRPr>
+            </a:lvl9pPr>
+          </a:lstStyle>
+          <a:p>
+            <a:pPr marL="0" indent="0">
+              <a:buFont typeface="Lato"/>
+              <a:buNone/>
+            </a:pPr>
+            <a:r>
+              <a:rPr lang="en-US" sz="1200" dirty="0">
+                <a:solidFill>
+                  <a:schemeClr val="dk2"/>
+                </a:solidFill>
+                <a:latin typeface="Arial"/>
+                <a:ea typeface="Arial"/>
+                <a:cs typeface="Arial"/>
+                <a:sym typeface="Arial"/>
+              </a:rPr>
+              <a:t>This model’s Classification report and Confusion matrix for the test data shows a high precision and recall for classifying image categories 1, 2, 4 and 6. We also observe high test accuracy and loss meaning the model made huge errors on a small portion of the data.</a:t>
+            </a:r>
+          </a:p>
+        </p:txBody>
+      </p:sp>
     </p:spTree>
     <p:extLst>
       <p:ext uri="{BB962C8B-B14F-4D97-AF65-F5344CB8AC3E}">
@@ -20093,100 +21402,6 @@
           </a:p>
         </p:txBody>
       </p:sp>
-      <p:pic>
-        <p:nvPicPr>
-          <p:cNvPr id="1028" name="Picture 4">
-            <a:extLst>
-              <a:ext uri="{FF2B5EF4-FFF2-40B4-BE49-F238E27FC236}">
-                <a16:creationId xmlns:a16="http://schemas.microsoft.com/office/drawing/2014/main" id="{92D4ECAD-EE2E-8BFD-1BF3-9E0D166EA8D6}"/>
-              </a:ext>
-            </a:extLst>
-          </p:cNvPr>
-          <p:cNvPicPr>
-            <a:picLocks noChangeAspect="1" noChangeArrowheads="1"/>
-          </p:cNvPicPr>
-          <p:nvPr/>
-        </p:nvPicPr>
-        <p:blipFill>
-          <a:blip r:embed="rId3">
-            <a:extLst>
-              <a:ext uri="{28A0092B-C50C-407E-A947-70E740481C1C}">
-                <a14:useLocalDpi xmlns:a14="http://schemas.microsoft.com/office/drawing/2010/main" val="0"/>
-              </a:ext>
-            </a:extLst>
-          </a:blip>
-          <a:srcRect/>
-          <a:stretch>
-            <a:fillRect/>
-          </a:stretch>
-        </p:blipFill>
-        <p:spPr bwMode="auto">
-          <a:xfrm>
-            <a:off x="110836" y="1753314"/>
-            <a:ext cx="4272104" cy="3239211"/>
-          </a:xfrm>
-          <a:prstGeom prst="rect">
-            <a:avLst/>
-          </a:prstGeom>
-          <a:noFill/>
-          <a:extLst>
-            <a:ext uri="{909E8E84-426E-40DD-AFC4-6F175D3DCCD1}">
-              <a14:hiddenFill xmlns:a14="http://schemas.microsoft.com/office/drawing/2010/main">
-                <a:solidFill>
-                  <a:srgbClr val="FFFFFF"/>
-                </a:solidFill>
-              </a14:hiddenFill>
-            </a:ext>
-          </a:extLst>
-        </p:spPr>
-      </p:pic>
-      <p:pic>
-        <p:nvPicPr>
-          <p:cNvPr id="1032" name="Picture 8">
-            <a:extLst>
-              <a:ext uri="{FF2B5EF4-FFF2-40B4-BE49-F238E27FC236}">
-                <a16:creationId xmlns:a16="http://schemas.microsoft.com/office/drawing/2014/main" id="{E9F26E11-DE63-9AE3-0888-409D62926E99}"/>
-              </a:ext>
-            </a:extLst>
-          </p:cNvPr>
-          <p:cNvPicPr>
-            <a:picLocks noChangeAspect="1" noChangeArrowheads="1"/>
-          </p:cNvPicPr>
-          <p:nvPr/>
-        </p:nvPicPr>
-        <p:blipFill>
-          <a:blip r:embed="rId4">
-            <a:extLst>
-              <a:ext uri="{28A0092B-C50C-407E-A947-70E740481C1C}">
-                <a14:useLocalDpi xmlns:a14="http://schemas.microsoft.com/office/drawing/2010/main" val="0"/>
-              </a:ext>
-            </a:extLst>
-          </a:blip>
-          <a:srcRect/>
-          <a:stretch>
-            <a:fillRect/>
-          </a:stretch>
-        </p:blipFill>
-        <p:spPr bwMode="auto">
-          <a:xfrm>
-            <a:off x="4707971" y="1733697"/>
-            <a:ext cx="4084831" cy="3235580"/>
-          </a:xfrm>
-          <a:prstGeom prst="rect">
-            <a:avLst/>
-          </a:prstGeom>
-          <a:noFill/>
-          <a:extLst>
-            <a:ext uri="{909E8E84-426E-40DD-AFC4-6F175D3DCCD1}">
-              <a14:hiddenFill xmlns:a14="http://schemas.microsoft.com/office/drawing/2010/main">
-                <a:solidFill>
-                  <a:srgbClr val="FFFFFF"/>
-                </a:solidFill>
-              </a14:hiddenFill>
-            </a:ext>
-          </a:extLst>
-        </p:spPr>
-      </p:pic>
       <p:sp>
         <p:nvSpPr>
           <p:cNvPr id="6" name="Google Shape;101;p2">
@@ -20203,8 +21418,8 @@
         </p:nvSpPr>
         <p:spPr>
           <a:xfrm>
-            <a:off x="2539053" y="1425850"/>
-            <a:ext cx="4337836" cy="426906"/>
+            <a:off x="2091013" y="1361347"/>
+            <a:ext cx="5233916" cy="426906"/>
           </a:xfrm>
           <a:prstGeom prst="rect">
             <a:avLst/>
@@ -20216,7 +21431,7 @@
         </p:spPr>
         <p:txBody>
           <a:bodyPr spcFirstLastPara="1" wrap="square" lIns="91425" tIns="91425" rIns="91425" bIns="91425" anchor="t" anchorCtr="0">
-            <a:normAutofit lnSpcReduction="10000"/>
+            <a:normAutofit fontScale="92500"/>
           </a:bodyPr>
           <a:lstStyle>
             <a:defPPr marR="0" lvl="0" algn="l" rtl="0">
@@ -20480,7 +21695,7 @@
                 <a:cs typeface="Arial"/>
                 <a:sym typeface="Arial"/>
               </a:rPr>
-              <a:t>Checks for Overfitting:</a:t>
+              <a:t>Checks for Overfitting with Training Data:</a:t>
             </a:r>
             <a:r>
               <a:rPr lang="en-US" sz="1400" dirty="0">
@@ -20524,6 +21739,100 @@
           </a:p>
         </p:txBody>
       </p:sp>
+      <p:pic>
+        <p:nvPicPr>
+          <p:cNvPr id="2052" name="Picture 4">
+            <a:extLst>
+              <a:ext uri="{FF2B5EF4-FFF2-40B4-BE49-F238E27FC236}">
+                <a16:creationId xmlns:a16="http://schemas.microsoft.com/office/drawing/2014/main" id="{E02AA1EF-CC3B-7705-46E5-C5B4310376CB}"/>
+              </a:ext>
+            </a:extLst>
+          </p:cNvPr>
+          <p:cNvPicPr>
+            <a:picLocks noChangeAspect="1" noChangeArrowheads="1"/>
+          </p:cNvPicPr>
+          <p:nvPr/>
+        </p:nvPicPr>
+        <p:blipFill>
+          <a:blip r:embed="rId3">
+            <a:extLst>
+              <a:ext uri="{28A0092B-C50C-407E-A947-70E740481C1C}">
+                <a14:useLocalDpi xmlns:a14="http://schemas.microsoft.com/office/drawing/2010/main" val="0"/>
+              </a:ext>
+            </a:extLst>
+          </a:blip>
+          <a:srcRect/>
+          <a:stretch>
+            <a:fillRect/>
+          </a:stretch>
+        </p:blipFill>
+        <p:spPr bwMode="auto">
+          <a:xfrm>
+            <a:off x="241518" y="1733698"/>
+            <a:ext cx="4330482" cy="3235579"/>
+          </a:xfrm>
+          <a:prstGeom prst="rect">
+            <a:avLst/>
+          </a:prstGeom>
+          <a:noFill/>
+          <a:extLst>
+            <a:ext uri="{909E8E84-426E-40DD-AFC4-6F175D3DCCD1}">
+              <a14:hiddenFill xmlns:a14="http://schemas.microsoft.com/office/drawing/2010/main">
+                <a:solidFill>
+                  <a:srgbClr val="FFFFFF"/>
+                </a:solidFill>
+              </a14:hiddenFill>
+            </a:ext>
+          </a:extLst>
+        </p:spPr>
+      </p:pic>
+      <p:pic>
+        <p:nvPicPr>
+          <p:cNvPr id="2054" name="Picture 6">
+            <a:extLst>
+              <a:ext uri="{FF2B5EF4-FFF2-40B4-BE49-F238E27FC236}">
+                <a16:creationId xmlns:a16="http://schemas.microsoft.com/office/drawing/2014/main" id="{21E0552A-DE49-B7F4-B7DA-A1C87E28495B}"/>
+              </a:ext>
+            </a:extLst>
+          </p:cNvPr>
+          <p:cNvPicPr>
+            <a:picLocks noChangeAspect="1" noChangeArrowheads="1"/>
+          </p:cNvPicPr>
+          <p:nvPr/>
+        </p:nvPicPr>
+        <p:blipFill>
+          <a:blip r:embed="rId4">
+            <a:extLst>
+              <a:ext uri="{28A0092B-C50C-407E-A947-70E740481C1C}">
+                <a14:useLocalDpi xmlns:a14="http://schemas.microsoft.com/office/drawing/2010/main" val="0"/>
+              </a:ext>
+            </a:extLst>
+          </a:blip>
+          <a:srcRect/>
+          <a:stretch>
+            <a:fillRect/>
+          </a:stretch>
+        </p:blipFill>
+        <p:spPr bwMode="auto">
+          <a:xfrm>
+            <a:off x="4572000" y="1733697"/>
+            <a:ext cx="4064000" cy="3219079"/>
+          </a:xfrm>
+          <a:prstGeom prst="rect">
+            <a:avLst/>
+          </a:prstGeom>
+          <a:noFill/>
+          <a:extLst>
+            <a:ext uri="{909E8E84-426E-40DD-AFC4-6F175D3DCCD1}">
+              <a14:hiddenFill xmlns:a14="http://schemas.microsoft.com/office/drawing/2010/main">
+                <a:solidFill>
+                  <a:srgbClr val="FFFFFF"/>
+                </a:solidFill>
+              </a14:hiddenFill>
+            </a:ext>
+          </a:extLst>
+        </p:spPr>
+      </p:pic>
     </p:spTree>
     <p:extLst>
       <p:ext uri="{BB962C8B-B14F-4D97-AF65-F5344CB8AC3E}">
